--- a/Presentation_NJ.pptx
+++ b/Presentation_NJ.pptx
@@ -6,9 +6,10 @@
   </p:sldMasterIdLst>
   <p:sldIdLst>
     <p:sldId id="256" r:id="rId2"/>
-    <p:sldId id="257" r:id="rId3"/>
-    <p:sldId id="258" r:id="rId4"/>
-    <p:sldId id="259" r:id="rId5"/>
+    <p:sldId id="261" r:id="rId3"/>
+    <p:sldId id="257" r:id="rId4"/>
+    <p:sldId id="258" r:id="rId5"/>
+    <p:sldId id="259" r:id="rId6"/>
   </p:sldIdLst>
   <p:sldSz cx="12192000" cy="6858000"/>
   <p:notesSz cx="6858000" cy="9144000"/>
@@ -107,6 +108,11 @@
       </a:defRPr>
     </a:lvl9pPr>
   </p:defaultTextStyle>
+  <p:extLst>
+    <p:ext uri="{EFAFB233-063F-42B5-8137-9DF3F51BA10A}">
+      <p15:sldGuideLst xmlns:p15="http://schemas.microsoft.com/office/powerpoint/2012/main"/>
+    </p:ext>
+  </p:extLst>
 </p:presentation>
 </file>
 
@@ -3714,6 +3720,14 @@
 <file path=ppt/slides/slide2.xml><?xml version="1.0" encoding="utf-8"?>
 <p:sld xmlns:a="http://schemas.openxmlformats.org/drawingml/2006/main" xmlns:r="http://schemas.openxmlformats.org/officeDocument/2006/relationships" xmlns:p="http://schemas.openxmlformats.org/presentationml/2006/main">
   <p:cSld>
+    <p:bg>
+      <p:bgPr>
+        <a:solidFill>
+          <a:schemeClr val="bg1"/>
+        </a:solidFill>
+        <a:effectLst/>
+      </p:bgPr>
+    </p:bg>
     <p:spTree>
       <p:nvGrpSpPr>
         <p:cNvPr id="1" name=""/>
@@ -3728,183 +3742,38 @@
           <a:chExt cx="0" cy="0"/>
         </a:xfrm>
       </p:grpSpPr>
-      <p:pic>
-        <p:nvPicPr>
-          <p:cNvPr id="29" name="Content Placeholder 28" descr="Chart, histogram&#10;&#10;Description automatically generated">
-            <a:extLst>
-              <a:ext uri="{FF2B5EF4-FFF2-40B4-BE49-F238E27FC236}">
-                <a16:creationId xmlns:a16="http://schemas.microsoft.com/office/drawing/2014/main" id="{8AF3057A-2427-42F0-9596-7D9D5C931BDA}"/>
-              </a:ext>
-            </a:extLst>
-          </p:cNvPr>
-          <p:cNvPicPr>
-            <a:picLocks noGrp="1" noChangeAspect="1"/>
-          </p:cNvPicPr>
-          <p:nvPr>
-            <p:ph idx="1"/>
-          </p:nvPr>
-        </p:nvPicPr>
-        <p:blipFill>
-          <a:blip r:embed="rId2">
-            <a:extLst>
-              <a:ext uri="{28A0092B-C50C-407E-A947-70E740481C1C}">
-                <a14:useLocalDpi xmlns:a14="http://schemas.microsoft.com/office/drawing/2010/main" val="0"/>
-              </a:ext>
-            </a:extLst>
-          </a:blip>
-          <a:stretch>
-            <a:fillRect/>
-          </a:stretch>
-        </p:blipFill>
+      <p:cxnSp>
+        <p:nvCxnSpPr>
+          <p:cNvPr id="16" name="Straight Connector 9">
+            <a:extLst>
+              <a:ext uri="{FF2B5EF4-FFF2-40B4-BE49-F238E27FC236}">
+                <a16:creationId xmlns:a16="http://schemas.microsoft.com/office/drawing/2014/main" id="{F209B62C-3402-4623-9A7C-AA048B56F8C3}"/>
+              </a:ext>
+              <a:ext uri="{C183D7F6-B498-43B3-948B-1728B52AA6E4}">
+                <adec:decorative xmlns:adec="http://schemas.microsoft.com/office/drawing/2017/decorative" val="1"/>
+              </a:ext>
+            </a:extLst>
+          </p:cNvPr>
+          <p:cNvCxnSpPr>
+            <a:cxnSpLocks noGrp="1" noRot="1" noChangeAspect="1" noMove="1" noResize="1" noEditPoints="1" noAdjustHandles="1" noChangeArrowheads="1" noChangeShapeType="1"/>
+          </p:cNvCxnSpPr>
+          <p:nvPr>
+            <p:extLst>
+              <p:ext uri="{386F3935-93C4-4BCD-93E2-E3B085C9AB24}">
+                <p16:designElem xmlns:p16="http://schemas.microsoft.com/office/powerpoint/2015/main" val="1"/>
+              </p:ext>
+            </p:extLst>
+          </p:nvPr>
+        </p:nvCxnSpPr>
         <p:spPr>
           <a:xfrm>
-            <a:off x="1585519" y="2340529"/>
-            <a:ext cx="4403341" cy="1703328"/>
-          </a:xfrm>
-        </p:spPr>
-      </p:pic>
-      <p:pic>
-        <p:nvPicPr>
-          <p:cNvPr id="21" name="Picture 20" descr="Chart, bar chart&#10;&#10;Description automatically generated">
-            <a:extLst>
-              <a:ext uri="{FF2B5EF4-FFF2-40B4-BE49-F238E27FC236}">
-                <a16:creationId xmlns:a16="http://schemas.microsoft.com/office/drawing/2014/main" id="{0C2F2516-AC51-41F2-BDD9-FB92F2133012}"/>
-              </a:ext>
-            </a:extLst>
-          </p:cNvPr>
-          <p:cNvPicPr>
-            <a:picLocks noChangeAspect="1"/>
-          </p:cNvPicPr>
-          <p:nvPr/>
-        </p:nvPicPr>
-        <p:blipFill>
-          <a:blip r:embed="rId3">
-            <a:extLst>
-              <a:ext uri="{28A0092B-C50C-407E-A947-70E740481C1C}">
-                <a14:useLocalDpi xmlns:a14="http://schemas.microsoft.com/office/drawing/2010/main" val="0"/>
-              </a:ext>
-            </a:extLst>
-          </a:blip>
-          <a:stretch>
-            <a:fillRect/>
-          </a:stretch>
-        </p:blipFill>
-        <p:spPr>
-          <a:xfrm>
-            <a:off x="6753137" y="4129285"/>
-            <a:ext cx="4841426" cy="1874838"/>
-          </a:xfrm>
-          <a:prstGeom prst="rect">
+            <a:off x="990600" y="1031001"/>
+            <a:ext cx="978862" cy="0"/>
+          </a:xfrm>
+          <a:prstGeom prst="line">
             <a:avLst/>
           </a:prstGeom>
-        </p:spPr>
-      </p:pic>
-      <p:sp>
-        <p:nvSpPr>
-          <p:cNvPr id="2" name="Title 1">
-            <a:extLst>
-              <a:ext uri="{FF2B5EF4-FFF2-40B4-BE49-F238E27FC236}">
-                <a16:creationId xmlns:a16="http://schemas.microsoft.com/office/drawing/2014/main" id="{D252B67D-43B4-42E7-ADBA-B15AD82AC601}"/>
-              </a:ext>
-            </a:extLst>
-          </p:cNvPr>
-          <p:cNvSpPr>
-            <a:spLocks noGrp="1"/>
-          </p:cNvSpPr>
-          <p:nvPr>
-            <p:ph type="title"/>
-          </p:nvPr>
-        </p:nvSpPr>
-        <p:spPr>
-          <a:xfrm>
-            <a:off x="914400" y="1161877"/>
-            <a:ext cx="10192624" cy="1178652"/>
-          </a:xfrm>
-        </p:spPr>
-        <p:txBody>
-          <a:bodyPr>
-            <a:normAutofit fontScale="90000"/>
-          </a:bodyPr>
-          <a:lstStyle/>
-          <a:p>
-            <a:r>
-              <a:rPr lang="en-US" dirty="0"/>
-              <a:t>Drivers’ pay = fair amount + tip amount</a:t>
-            </a:r>
-            <a:br>
-              <a:rPr lang="en-US" dirty="0"/>
-            </a:br>
-            <a:r>
-              <a:rPr lang="en-US" dirty="0"/>
-              <a:t>trip distance, trip time: normalized</a:t>
-            </a:r>
-            <a:br>
-              <a:rPr lang="en-US" dirty="0"/>
-            </a:br>
-            <a:endParaRPr lang="en-US" dirty="0"/>
-          </a:p>
-        </p:txBody>
-      </p:sp>
-      <p:sp>
-        <p:nvSpPr>
-          <p:cNvPr id="4" name="TextBox 3">
-            <a:extLst>
-              <a:ext uri="{FF2B5EF4-FFF2-40B4-BE49-F238E27FC236}">
-                <a16:creationId xmlns:a16="http://schemas.microsoft.com/office/drawing/2014/main" id="{B29B344B-80B0-4F84-AFCA-B84DB7909E20}"/>
-              </a:ext>
-            </a:extLst>
-          </p:cNvPr>
-          <p:cNvSpPr txBox="1"/>
-          <p:nvPr/>
-        </p:nvSpPr>
-        <p:spPr>
-          <a:xfrm>
-            <a:off x="1585519" y="6358855"/>
-            <a:ext cx="9521505" cy="369332"/>
-          </a:xfrm>
-          <a:prstGeom prst="rect">
-            <a:avLst/>
-          </a:prstGeom>
-          <a:noFill/>
-        </p:spPr>
-        <p:txBody>
-          <a:bodyPr wrap="square" rtlCol="0">
-            <a:spAutoFit/>
-          </a:bodyPr>
-          <a:lstStyle/>
-          <a:p>
-            <a:r>
-              <a:rPr lang="en-US" dirty="0"/>
-              <a:t>Assumption: Less predictability in drivers’ pay means high driver stress</a:t>
-            </a:r>
-          </a:p>
-        </p:txBody>
-      </p:sp>
-      <p:cxnSp>
-        <p:nvCxnSpPr>
-          <p:cNvPr id="12" name="Straight Arrow Connector 11">
-            <a:extLst>
-              <a:ext uri="{FF2B5EF4-FFF2-40B4-BE49-F238E27FC236}">
-                <a16:creationId xmlns:a16="http://schemas.microsoft.com/office/drawing/2014/main" id="{2820F82B-A40C-4C77-BD13-4D96ABA4D58E}"/>
-              </a:ext>
-            </a:extLst>
-          </p:cNvPr>
-          <p:cNvCxnSpPr>
-            <a:cxnSpLocks/>
-          </p:cNvCxnSpPr>
-          <p:nvPr/>
-        </p:nvCxnSpPr>
-        <p:spPr>
-          <a:xfrm flipH="1">
-            <a:off x="4370664" y="2759978"/>
-            <a:ext cx="3347209" cy="499053"/>
-          </a:xfrm>
-          <a:prstGeom prst="straightConnector1">
-            <a:avLst/>
-          </a:prstGeom>
-          <a:ln>
-            <a:tailEnd type="triangle"/>
-          </a:ln>
+          <a:ln w="76200"/>
         </p:spPr>
         <p:style>
           <a:lnRef idx="1">
@@ -3921,112 +3790,113 @@
           </a:fontRef>
         </p:style>
       </p:cxnSp>
-      <p:cxnSp>
-        <p:nvCxnSpPr>
-          <p:cNvPr id="14" name="Straight Arrow Connector 13">
-            <a:extLst>
-              <a:ext uri="{FF2B5EF4-FFF2-40B4-BE49-F238E27FC236}">
-                <a16:creationId xmlns:a16="http://schemas.microsoft.com/office/drawing/2014/main" id="{108D7FB7-423E-462D-8E4C-9D5770EF03F8}"/>
-              </a:ext>
-            </a:extLst>
-          </p:cNvPr>
-          <p:cNvCxnSpPr>
-            <a:cxnSpLocks/>
-          </p:cNvCxnSpPr>
-          <p:nvPr/>
-        </p:nvCxnSpPr>
+      <p:sp useBgFill="1">
+        <p:nvSpPr>
+          <p:cNvPr id="17" name="Rectangle 11">
+            <a:extLst>
+              <a:ext uri="{FF2B5EF4-FFF2-40B4-BE49-F238E27FC236}">
+                <a16:creationId xmlns:a16="http://schemas.microsoft.com/office/drawing/2014/main" id="{ABA4FDDF-F59C-428B-8603-3A86D75931AB}"/>
+              </a:ext>
+              <a:ext uri="{C183D7F6-B498-43B3-948B-1728B52AA6E4}">
+                <adec:decorative xmlns:adec="http://schemas.microsoft.com/office/drawing/2017/decorative" val="1"/>
+              </a:ext>
+            </a:extLst>
+          </p:cNvPr>
+          <p:cNvSpPr>
+            <a:spLocks noGrp="1" noRot="1" noChangeAspect="1" noMove="1" noResize="1" noEditPoints="1" noAdjustHandles="1" noChangeArrowheads="1" noChangeShapeType="1" noTextEdit="1"/>
+          </p:cNvSpPr>
+          <p:nvPr>
+            <p:extLst>
+              <p:ext uri="{386F3935-93C4-4BCD-93E2-E3B085C9AB24}">
+                <p16:designElem xmlns:p16="http://schemas.microsoft.com/office/powerpoint/2015/main" val="1"/>
+              </p:ext>
+            </p:extLst>
+          </p:nvPr>
+        </p:nvSpPr>
         <p:spPr>
           <a:xfrm>
-            <a:off x="9395670" y="3011648"/>
-            <a:ext cx="117446" cy="2181137"/>
-          </a:xfrm>
-          <a:prstGeom prst="straightConnector1">
+            <a:off x="0" y="0"/>
+            <a:ext cx="12192000" cy="6858000"/>
+          </a:xfrm>
+          <a:prstGeom prst="rect">
             <a:avLst/>
           </a:prstGeom>
-          <a:ln>
-            <a:tailEnd type="triangle"/>
+          <a:ln w="12700" cap="flat" cmpd="sng" algn="ctr">
+            <a:noFill/>
+            <a:prstDash val="solid"/>
+            <a:miter lim="800000"/>
           </a:ln>
+          <a:effectLst/>
+          <a:extLst>
+            <a:ext uri="{91240B29-F687-4F45-9708-019B960494DF}">
+              <a14:hiddenLine xmlns:a14="http://schemas.microsoft.com/office/drawing/2010/main" w="12700" cap="flat" cmpd="sng" algn="ctr">
+                <a:solidFill>
+                  <a:schemeClr val="accent1">
+                    <a:shade val="50000"/>
+                  </a:schemeClr>
+                </a:solidFill>
+                <a:prstDash val="solid"/>
+                <a:miter lim="800000"/>
+              </a14:hiddenLine>
+            </a:ext>
+          </a:extLst>
         </p:spPr>
         <p:style>
-          <a:lnRef idx="1">
-            <a:schemeClr val="accent1"/>
+          <a:lnRef idx="2">
+            <a:schemeClr val="accent1">
+              <a:shade val="50000"/>
+            </a:schemeClr>
           </a:lnRef>
-          <a:fillRef idx="0">
+          <a:fillRef idx="1">
             <a:schemeClr val="accent1"/>
           </a:fillRef>
           <a:effectRef idx="0">
             <a:schemeClr val="accent1"/>
           </a:effectRef>
           <a:fontRef idx="minor">
-            <a:schemeClr val="tx1"/>
+            <a:schemeClr val="lt1"/>
           </a:fontRef>
         </p:style>
-      </p:cxnSp>
-      <p:sp>
-        <p:nvSpPr>
-          <p:cNvPr id="15" name="TextBox 14">
-            <a:extLst>
-              <a:ext uri="{FF2B5EF4-FFF2-40B4-BE49-F238E27FC236}">
-                <a16:creationId xmlns:a16="http://schemas.microsoft.com/office/drawing/2014/main" id="{6943BBEE-A68A-4E9E-BDAB-F4720E75B048}"/>
-              </a:ext>
-            </a:extLst>
-          </p:cNvPr>
-          <p:cNvSpPr txBox="1"/>
-          <p:nvPr/>
-        </p:nvSpPr>
-        <p:spPr>
-          <a:xfrm>
-            <a:off x="7717872" y="2554341"/>
-            <a:ext cx="3559728" cy="369332"/>
-          </a:xfrm>
-          <a:prstGeom prst="rect">
-            <a:avLst/>
-          </a:prstGeom>
-          <a:noFill/>
-        </p:spPr>
-        <p:txBody>
-          <a:bodyPr wrap="square" rtlCol="0">
-            <a:spAutoFit/>
-          </a:bodyPr>
-          <a:lstStyle/>
-          <a:p>
-            <a:r>
-              <a:rPr lang="en-US" dirty="0"/>
-              <a:t>Pay can be very low or very high</a:t>
-            </a:r>
+        <p:txBody>
+          <a:bodyPr rtlCol="0" anchor="ctr"/>
+          <a:lstStyle/>
+          <a:p>
+            <a:pPr algn="ctr"/>
+            <a:endParaRPr lang="en-US"/>
           </a:p>
         </p:txBody>
       </p:sp>
       <p:pic>
         <p:nvPicPr>
-          <p:cNvPr id="19" name="Picture 18" descr="Chart&#10;&#10;Description automatically generated">
-            <a:extLst>
-              <a:ext uri="{FF2B5EF4-FFF2-40B4-BE49-F238E27FC236}">
-                <a16:creationId xmlns:a16="http://schemas.microsoft.com/office/drawing/2014/main" id="{219F6DDB-5BF8-4848-AD7E-677B4770246D}"/>
+          <p:cNvPr id="5" name="Content Placeholder 4" descr="A picture containing text, road, street, city&#10;&#10;Description automatically generated">
+            <a:extLst>
+              <a:ext uri="{FF2B5EF4-FFF2-40B4-BE49-F238E27FC236}">
+                <a16:creationId xmlns:a16="http://schemas.microsoft.com/office/drawing/2014/main" id="{E5CD1816-F2E3-45A8-8493-8198919CE3AE}"/>
               </a:ext>
             </a:extLst>
           </p:cNvPr>
           <p:cNvPicPr>
-            <a:picLocks noChangeAspect="1"/>
+            <a:picLocks noGrp="1" noChangeAspect="1"/>
           </p:cNvPicPr>
-          <p:nvPr/>
+          <p:nvPr>
+            <p:ph idx="1"/>
+          </p:nvPr>
         </p:nvPicPr>
-        <p:blipFill>
-          <a:blip r:embed="rId4">
+        <p:blipFill rotWithShape="1">
+          <a:blip r:embed="rId2">
             <a:extLst>
               <a:ext uri="{28A0092B-C50C-407E-A947-70E740481C1C}">
                 <a14:useLocalDpi xmlns:a14="http://schemas.microsoft.com/office/drawing/2010/main" val="0"/>
               </a:ext>
             </a:extLst>
           </a:blip>
-          <a:stretch>
-            <a:fillRect/>
-          </a:stretch>
+          <a:srcRect b="15730"/>
+          <a:stretch/>
         </p:blipFill>
         <p:spPr>
           <a:xfrm>
-            <a:off x="2869036" y="4388328"/>
-            <a:ext cx="2069338" cy="1576515"/>
+            <a:off x="1" y="1"/>
+            <a:ext cx="12192000" cy="6857988"/>
           </a:xfrm>
           <a:prstGeom prst="rect">
             <a:avLst/>
@@ -4036,7 +3906,7 @@
     </p:spTree>
     <p:extLst>
       <p:ext uri="{BB962C8B-B14F-4D97-AF65-F5344CB8AC3E}">
-        <p14:creationId xmlns:p14="http://schemas.microsoft.com/office/powerpoint/2010/main" val="694525968"/>
+        <p14:creationId xmlns:p14="http://schemas.microsoft.com/office/powerpoint/2010/main" val="769152929"/>
       </p:ext>
     </p:extLst>
   </p:cSld>
@@ -4063,6 +3933,341 @@
           <a:chExt cx="0" cy="0"/>
         </a:xfrm>
       </p:grpSpPr>
+      <p:pic>
+        <p:nvPicPr>
+          <p:cNvPr id="29" name="Content Placeholder 28" descr="Chart, histogram&#10;&#10;Description automatically generated">
+            <a:extLst>
+              <a:ext uri="{FF2B5EF4-FFF2-40B4-BE49-F238E27FC236}">
+                <a16:creationId xmlns:a16="http://schemas.microsoft.com/office/drawing/2014/main" id="{8AF3057A-2427-42F0-9596-7D9D5C931BDA}"/>
+              </a:ext>
+            </a:extLst>
+          </p:cNvPr>
+          <p:cNvPicPr>
+            <a:picLocks noGrp="1" noChangeAspect="1"/>
+          </p:cNvPicPr>
+          <p:nvPr>
+            <p:ph idx="1"/>
+          </p:nvPr>
+        </p:nvPicPr>
+        <p:blipFill>
+          <a:blip r:embed="rId2">
+            <a:extLst>
+              <a:ext uri="{28A0092B-C50C-407E-A947-70E740481C1C}">
+                <a14:useLocalDpi xmlns:a14="http://schemas.microsoft.com/office/drawing/2010/main" val="0"/>
+              </a:ext>
+            </a:extLst>
+          </a:blip>
+          <a:stretch>
+            <a:fillRect/>
+          </a:stretch>
+        </p:blipFill>
+        <p:spPr>
+          <a:xfrm>
+            <a:off x="1585519" y="2340529"/>
+            <a:ext cx="4403341" cy="1703328"/>
+          </a:xfrm>
+        </p:spPr>
+      </p:pic>
+      <p:pic>
+        <p:nvPicPr>
+          <p:cNvPr id="21" name="Picture 20" descr="Chart, bar chart&#10;&#10;Description automatically generated">
+            <a:extLst>
+              <a:ext uri="{FF2B5EF4-FFF2-40B4-BE49-F238E27FC236}">
+                <a16:creationId xmlns:a16="http://schemas.microsoft.com/office/drawing/2014/main" id="{0C2F2516-AC51-41F2-BDD9-FB92F2133012}"/>
+              </a:ext>
+            </a:extLst>
+          </p:cNvPr>
+          <p:cNvPicPr>
+            <a:picLocks noChangeAspect="1"/>
+          </p:cNvPicPr>
+          <p:nvPr/>
+        </p:nvPicPr>
+        <p:blipFill>
+          <a:blip r:embed="rId3">
+            <a:extLst>
+              <a:ext uri="{28A0092B-C50C-407E-A947-70E740481C1C}">
+                <a14:useLocalDpi xmlns:a14="http://schemas.microsoft.com/office/drawing/2010/main" val="0"/>
+              </a:ext>
+            </a:extLst>
+          </a:blip>
+          <a:stretch>
+            <a:fillRect/>
+          </a:stretch>
+        </p:blipFill>
+        <p:spPr>
+          <a:xfrm>
+            <a:off x="6753137" y="4129285"/>
+            <a:ext cx="4841426" cy="1874838"/>
+          </a:xfrm>
+          <a:prstGeom prst="rect">
+            <a:avLst/>
+          </a:prstGeom>
+        </p:spPr>
+      </p:pic>
+      <p:sp>
+        <p:nvSpPr>
+          <p:cNvPr id="2" name="Title 1">
+            <a:extLst>
+              <a:ext uri="{FF2B5EF4-FFF2-40B4-BE49-F238E27FC236}">
+                <a16:creationId xmlns:a16="http://schemas.microsoft.com/office/drawing/2014/main" id="{D252B67D-43B4-42E7-ADBA-B15AD82AC601}"/>
+              </a:ext>
+            </a:extLst>
+          </p:cNvPr>
+          <p:cNvSpPr>
+            <a:spLocks noGrp="1"/>
+          </p:cNvSpPr>
+          <p:nvPr>
+            <p:ph type="title"/>
+          </p:nvPr>
+        </p:nvSpPr>
+        <p:spPr>
+          <a:xfrm>
+            <a:off x="914400" y="1161877"/>
+            <a:ext cx="10192624" cy="1178652"/>
+          </a:xfrm>
+        </p:spPr>
+        <p:txBody>
+          <a:bodyPr>
+            <a:normAutofit fontScale="90000"/>
+          </a:bodyPr>
+          <a:lstStyle/>
+          <a:p>
+            <a:r>
+              <a:rPr lang="en-US" dirty="0"/>
+              <a:t>Drivers’ pay = fair amount + tip amount</a:t>
+            </a:r>
+            <a:br>
+              <a:rPr lang="en-US" dirty="0"/>
+            </a:br>
+            <a:r>
+              <a:rPr lang="en-US" dirty="0"/>
+              <a:t>trip distance, trip time: normalized</a:t>
+            </a:r>
+            <a:br>
+              <a:rPr lang="en-US" dirty="0"/>
+            </a:br>
+            <a:endParaRPr lang="en-US" dirty="0"/>
+          </a:p>
+        </p:txBody>
+      </p:sp>
+      <p:sp>
+        <p:nvSpPr>
+          <p:cNvPr id="4" name="TextBox 3">
+            <a:extLst>
+              <a:ext uri="{FF2B5EF4-FFF2-40B4-BE49-F238E27FC236}">
+                <a16:creationId xmlns:a16="http://schemas.microsoft.com/office/drawing/2014/main" id="{B29B344B-80B0-4F84-AFCA-B84DB7909E20}"/>
+              </a:ext>
+            </a:extLst>
+          </p:cNvPr>
+          <p:cNvSpPr txBox="1"/>
+          <p:nvPr/>
+        </p:nvSpPr>
+        <p:spPr>
+          <a:xfrm>
+            <a:off x="1585519" y="6358855"/>
+            <a:ext cx="9521505" cy="369332"/>
+          </a:xfrm>
+          <a:prstGeom prst="rect">
+            <a:avLst/>
+          </a:prstGeom>
+          <a:noFill/>
+        </p:spPr>
+        <p:txBody>
+          <a:bodyPr wrap="square" rtlCol="0">
+            <a:spAutoFit/>
+          </a:bodyPr>
+          <a:lstStyle/>
+          <a:p>
+            <a:r>
+              <a:rPr lang="en-US" dirty="0"/>
+              <a:t>Assumption: Less predictability in drivers’ pay means high driver stress</a:t>
+            </a:r>
+          </a:p>
+        </p:txBody>
+      </p:sp>
+      <p:cxnSp>
+        <p:nvCxnSpPr>
+          <p:cNvPr id="12" name="Straight Arrow Connector 11">
+            <a:extLst>
+              <a:ext uri="{FF2B5EF4-FFF2-40B4-BE49-F238E27FC236}">
+                <a16:creationId xmlns:a16="http://schemas.microsoft.com/office/drawing/2014/main" id="{2820F82B-A40C-4C77-BD13-4D96ABA4D58E}"/>
+              </a:ext>
+            </a:extLst>
+          </p:cNvPr>
+          <p:cNvCxnSpPr>
+            <a:cxnSpLocks/>
+          </p:cNvCxnSpPr>
+          <p:nvPr/>
+        </p:nvCxnSpPr>
+        <p:spPr>
+          <a:xfrm flipH="1">
+            <a:off x="4370664" y="2759978"/>
+            <a:ext cx="3347209" cy="499053"/>
+          </a:xfrm>
+          <a:prstGeom prst="straightConnector1">
+            <a:avLst/>
+          </a:prstGeom>
+          <a:ln>
+            <a:tailEnd type="triangle"/>
+          </a:ln>
+        </p:spPr>
+        <p:style>
+          <a:lnRef idx="1">
+            <a:schemeClr val="accent1"/>
+          </a:lnRef>
+          <a:fillRef idx="0">
+            <a:schemeClr val="accent1"/>
+          </a:fillRef>
+          <a:effectRef idx="0">
+            <a:schemeClr val="accent1"/>
+          </a:effectRef>
+          <a:fontRef idx="minor">
+            <a:schemeClr val="tx1"/>
+          </a:fontRef>
+        </p:style>
+      </p:cxnSp>
+      <p:cxnSp>
+        <p:nvCxnSpPr>
+          <p:cNvPr id="14" name="Straight Arrow Connector 13">
+            <a:extLst>
+              <a:ext uri="{FF2B5EF4-FFF2-40B4-BE49-F238E27FC236}">
+                <a16:creationId xmlns:a16="http://schemas.microsoft.com/office/drawing/2014/main" id="{108D7FB7-423E-462D-8E4C-9D5770EF03F8}"/>
+              </a:ext>
+            </a:extLst>
+          </p:cNvPr>
+          <p:cNvCxnSpPr>
+            <a:cxnSpLocks/>
+          </p:cNvCxnSpPr>
+          <p:nvPr/>
+        </p:nvCxnSpPr>
+        <p:spPr>
+          <a:xfrm>
+            <a:off x="9395670" y="3011648"/>
+            <a:ext cx="117446" cy="2181137"/>
+          </a:xfrm>
+          <a:prstGeom prst="straightConnector1">
+            <a:avLst/>
+          </a:prstGeom>
+          <a:ln>
+            <a:tailEnd type="triangle"/>
+          </a:ln>
+        </p:spPr>
+        <p:style>
+          <a:lnRef idx="1">
+            <a:schemeClr val="accent1"/>
+          </a:lnRef>
+          <a:fillRef idx="0">
+            <a:schemeClr val="accent1"/>
+          </a:fillRef>
+          <a:effectRef idx="0">
+            <a:schemeClr val="accent1"/>
+          </a:effectRef>
+          <a:fontRef idx="minor">
+            <a:schemeClr val="tx1"/>
+          </a:fontRef>
+        </p:style>
+      </p:cxnSp>
+      <p:sp>
+        <p:nvSpPr>
+          <p:cNvPr id="15" name="TextBox 14">
+            <a:extLst>
+              <a:ext uri="{FF2B5EF4-FFF2-40B4-BE49-F238E27FC236}">
+                <a16:creationId xmlns:a16="http://schemas.microsoft.com/office/drawing/2014/main" id="{6943BBEE-A68A-4E9E-BDAB-F4720E75B048}"/>
+              </a:ext>
+            </a:extLst>
+          </p:cNvPr>
+          <p:cNvSpPr txBox="1"/>
+          <p:nvPr/>
+        </p:nvSpPr>
+        <p:spPr>
+          <a:xfrm>
+            <a:off x="7717872" y="2554341"/>
+            <a:ext cx="3559728" cy="369332"/>
+          </a:xfrm>
+          <a:prstGeom prst="rect">
+            <a:avLst/>
+          </a:prstGeom>
+          <a:noFill/>
+        </p:spPr>
+        <p:txBody>
+          <a:bodyPr wrap="square" rtlCol="0">
+            <a:spAutoFit/>
+          </a:bodyPr>
+          <a:lstStyle/>
+          <a:p>
+            <a:r>
+              <a:rPr lang="en-US" dirty="0"/>
+              <a:t>Pay can be very low or very high</a:t>
+            </a:r>
+          </a:p>
+        </p:txBody>
+      </p:sp>
+      <p:pic>
+        <p:nvPicPr>
+          <p:cNvPr id="19" name="Picture 18" descr="Chart&#10;&#10;Description automatically generated">
+            <a:extLst>
+              <a:ext uri="{FF2B5EF4-FFF2-40B4-BE49-F238E27FC236}">
+                <a16:creationId xmlns:a16="http://schemas.microsoft.com/office/drawing/2014/main" id="{219F6DDB-5BF8-4848-AD7E-677B4770246D}"/>
+              </a:ext>
+            </a:extLst>
+          </p:cNvPr>
+          <p:cNvPicPr>
+            <a:picLocks noChangeAspect="1"/>
+          </p:cNvPicPr>
+          <p:nvPr/>
+        </p:nvPicPr>
+        <p:blipFill>
+          <a:blip r:embed="rId4">
+            <a:extLst>
+              <a:ext uri="{28A0092B-C50C-407E-A947-70E740481C1C}">
+                <a14:useLocalDpi xmlns:a14="http://schemas.microsoft.com/office/drawing/2010/main" val="0"/>
+              </a:ext>
+            </a:extLst>
+          </a:blip>
+          <a:stretch>
+            <a:fillRect/>
+          </a:stretch>
+        </p:blipFill>
+        <p:spPr>
+          <a:xfrm>
+            <a:off x="2869036" y="4388328"/>
+            <a:ext cx="2069338" cy="1576515"/>
+          </a:xfrm>
+          <a:prstGeom prst="rect">
+            <a:avLst/>
+          </a:prstGeom>
+        </p:spPr>
+      </p:pic>
+    </p:spTree>
+    <p:extLst>
+      <p:ext uri="{BB962C8B-B14F-4D97-AF65-F5344CB8AC3E}">
+        <p14:creationId xmlns:p14="http://schemas.microsoft.com/office/powerpoint/2010/main" val="694525968"/>
+      </p:ext>
+    </p:extLst>
+  </p:cSld>
+  <p:clrMapOvr>
+    <a:masterClrMapping/>
+  </p:clrMapOvr>
+</p:sld>
+</file>
+
+<file path=ppt/slides/slide4.xml><?xml version="1.0" encoding="utf-8"?>
+<p:sld xmlns:a="http://schemas.openxmlformats.org/drawingml/2006/main" xmlns:r="http://schemas.openxmlformats.org/officeDocument/2006/relationships" xmlns:p="http://schemas.openxmlformats.org/presentationml/2006/main">
+  <p:cSld>
+    <p:spTree>
+      <p:nvGrpSpPr>
+        <p:cNvPr id="1" name=""/>
+        <p:cNvGrpSpPr/>
+        <p:nvPr/>
+      </p:nvGrpSpPr>
+      <p:grpSpPr>
+        <a:xfrm>
+          <a:off x="0" y="0"/>
+          <a:ext cx="0" cy="0"/>
+          <a:chOff x="0" y="0"/>
+          <a:chExt cx="0" cy="0"/>
+        </a:xfrm>
+      </p:grpSpPr>
       <p:sp>
         <p:nvSpPr>
           <p:cNvPr id="2" name="Title 1">
@@ -4219,7 +4424,7 @@
 </p:sld>
 </file>
 
-<file path=ppt/slides/slide4.xml><?xml version="1.0" encoding="utf-8"?>
+<file path=ppt/slides/slide5.xml><?xml version="1.0" encoding="utf-8"?>
 <p:sld xmlns:a="http://schemas.openxmlformats.org/drawingml/2006/main" xmlns:r="http://schemas.openxmlformats.org/officeDocument/2006/relationships" xmlns:p="http://schemas.openxmlformats.org/presentationml/2006/main">
   <p:cSld>
     <p:bg>

--- a/Presentation_NJ.pptx
+++ b/Presentation_NJ.pptx
@@ -5,11 +5,10 @@
     <p:sldMasterId id="2147483699" r:id="rId1"/>
   </p:sldMasterIdLst>
   <p:sldIdLst>
-    <p:sldId id="256" r:id="rId2"/>
-    <p:sldId id="261" r:id="rId3"/>
-    <p:sldId id="257" r:id="rId4"/>
-    <p:sldId id="258" r:id="rId5"/>
-    <p:sldId id="259" r:id="rId6"/>
+    <p:sldId id="261" r:id="rId2"/>
+    <p:sldId id="257" r:id="rId3"/>
+    <p:sldId id="258" r:id="rId4"/>
+    <p:sldId id="259" r:id="rId5"/>
   </p:sldIdLst>
   <p:sldSz cx="12192000" cy="6858000"/>
   <p:notesSz cx="6858000" cy="9144000"/>
@@ -3395,353 +3394,6 @@
           <a:chExt cx="0" cy="0"/>
         </a:xfrm>
       </p:grpSpPr>
-      <p:sp>
-        <p:nvSpPr>
-          <p:cNvPr id="15" name="Rectangle 14">
-            <a:extLst>
-              <a:ext uri="{FF2B5EF4-FFF2-40B4-BE49-F238E27FC236}">
-                <a16:creationId xmlns:a16="http://schemas.microsoft.com/office/drawing/2014/main" id="{19F9BF86-FE94-4517-B97D-026C7515E589}"/>
-              </a:ext>
-              <a:ext uri="{C183D7F6-B498-43B3-948B-1728B52AA6E4}">
-                <adec:decorative xmlns:adec="http://schemas.microsoft.com/office/drawing/2017/decorative" val="1"/>
-              </a:ext>
-            </a:extLst>
-          </p:cNvPr>
-          <p:cNvSpPr>
-            <a:spLocks noGrp="1" noRot="1" noChangeAspect="1" noMove="1" noResize="1" noEditPoints="1" noAdjustHandles="1" noChangeArrowheads="1" noChangeShapeType="1" noTextEdit="1"/>
-          </p:cNvSpPr>
-          <p:nvPr>
-            <p:extLst>
-              <p:ext uri="{386F3935-93C4-4BCD-93E2-E3B085C9AB24}">
-                <p16:designElem xmlns:p16="http://schemas.microsoft.com/office/powerpoint/2015/main" val="1"/>
-              </p:ext>
-            </p:extLst>
-          </p:nvPr>
-        </p:nvSpPr>
-        <p:spPr>
-          <a:xfrm>
-            <a:off x="0" y="0"/>
-            <a:ext cx="12192000" cy="6858000"/>
-          </a:xfrm>
-          <a:prstGeom prst="rect">
-            <a:avLst/>
-          </a:prstGeom>
-          <a:solidFill>
-            <a:srgbClr val="000000"/>
-          </a:solidFill>
-          <a:ln w="12700" cap="flat" cmpd="sng" algn="ctr">
-            <a:noFill/>
-            <a:prstDash val="solid"/>
-            <a:miter lim="800000"/>
-          </a:ln>
-          <a:effectLst/>
-        </p:spPr>
-        <p:style>
-          <a:lnRef idx="2">
-            <a:schemeClr val="accent1">
-              <a:shade val="50000"/>
-            </a:schemeClr>
-          </a:lnRef>
-          <a:fillRef idx="1">
-            <a:schemeClr val="accent1"/>
-          </a:fillRef>
-          <a:effectRef idx="0">
-            <a:schemeClr val="accent1"/>
-          </a:effectRef>
-          <a:fontRef idx="minor">
-            <a:schemeClr val="lt1"/>
-          </a:fontRef>
-        </p:style>
-        <p:txBody>
-          <a:bodyPr rtlCol="0" anchor="ctr"/>
-          <a:lstStyle/>
-          <a:p>
-            <a:pPr algn="ctr"/>
-            <a:endParaRPr lang="en-US"/>
-          </a:p>
-        </p:txBody>
-      </p:sp>
-      <p:pic>
-        <p:nvPicPr>
-          <p:cNvPr id="5" name="Picture 4" descr="A picture containing text, road, street, city&#10;&#10;Description automatically generated">
-            <a:extLst>
-              <a:ext uri="{FF2B5EF4-FFF2-40B4-BE49-F238E27FC236}">
-                <a16:creationId xmlns:a16="http://schemas.microsoft.com/office/drawing/2014/main" id="{354022D0-7C3E-44A3-9F93-978EC4A4FAD0}"/>
-              </a:ext>
-            </a:extLst>
-          </p:cNvPr>
-          <p:cNvPicPr>
-            <a:picLocks noChangeAspect="1"/>
-          </p:cNvPicPr>
-          <p:nvPr/>
-        </p:nvPicPr>
-        <p:blipFill rotWithShape="1">
-          <a:blip r:embed="rId2">
-            <a:alphaModFix/>
-            <a:extLst>
-              <a:ext uri="{28A0092B-C50C-407E-A947-70E740481C1C}">
-                <a14:useLocalDpi xmlns:a14="http://schemas.microsoft.com/office/drawing/2010/main" val="0"/>
-              </a:ext>
-            </a:extLst>
-          </a:blip>
-          <a:srcRect b="15732"/>
-          <a:stretch/>
-        </p:blipFill>
-        <p:spPr>
-          <a:xfrm>
-            <a:off x="20" y="10"/>
-            <a:ext cx="12191980" cy="6857990"/>
-          </a:xfrm>
-          <a:prstGeom prst="rect">
-            <a:avLst/>
-          </a:prstGeom>
-        </p:spPr>
-      </p:pic>
-      <p:sp>
-        <p:nvSpPr>
-          <p:cNvPr id="17" name="Rectangle 16">
-            <a:extLst>
-              <a:ext uri="{FF2B5EF4-FFF2-40B4-BE49-F238E27FC236}">
-                <a16:creationId xmlns:a16="http://schemas.microsoft.com/office/drawing/2014/main" id="{F8B2ECD5-47B1-47AD-AC9D-045064631A65}"/>
-              </a:ext>
-              <a:ext uri="{C183D7F6-B498-43B3-948B-1728B52AA6E4}">
-                <adec:decorative xmlns:adec="http://schemas.microsoft.com/office/drawing/2017/decorative" val="1"/>
-              </a:ext>
-            </a:extLst>
-          </p:cNvPr>
-          <p:cNvSpPr>
-            <a:spLocks noGrp="1" noRot="1" noChangeAspect="1" noMove="1" noResize="1" noEditPoints="1" noAdjustHandles="1" noChangeArrowheads="1" noChangeShapeType="1" noTextEdit="1"/>
-          </p:cNvSpPr>
-          <p:nvPr>
-            <p:extLst>
-              <p:ext uri="{386F3935-93C4-4BCD-93E2-E3B085C9AB24}">
-                <p16:designElem xmlns:p16="http://schemas.microsoft.com/office/powerpoint/2015/main" val="1"/>
-              </p:ext>
-            </p:extLst>
-          </p:nvPr>
-        </p:nvSpPr>
-        <p:spPr>
-          <a:xfrm rot="10800000">
-            <a:off x="3648484" y="0"/>
-            <a:ext cx="8543515" cy="6858000"/>
-          </a:xfrm>
-          <a:prstGeom prst="rect">
-            <a:avLst/>
-          </a:prstGeom>
-          <a:gradFill flip="none" rotWithShape="1">
-            <a:gsLst>
-              <a:gs pos="0">
-                <a:srgbClr val="000000">
-                  <a:alpha val="0"/>
-                </a:srgbClr>
-              </a:gs>
-              <a:gs pos="58000">
-                <a:srgbClr val="000000">
-                  <a:alpha val="55000"/>
-                </a:srgbClr>
-              </a:gs>
-              <a:gs pos="93000">
-                <a:srgbClr val="000000">
-                  <a:alpha val="64000"/>
-                </a:srgbClr>
-              </a:gs>
-            </a:gsLst>
-            <a:lin ang="10800000" scaled="1"/>
-            <a:tileRect/>
-          </a:gradFill>
-          <a:ln>
-            <a:noFill/>
-          </a:ln>
-        </p:spPr>
-        <p:style>
-          <a:lnRef idx="2">
-            <a:schemeClr val="accent1">
-              <a:shade val="50000"/>
-            </a:schemeClr>
-          </a:lnRef>
-          <a:fillRef idx="1">
-            <a:schemeClr val="accent1"/>
-          </a:fillRef>
-          <a:effectRef idx="0">
-            <a:schemeClr val="accent1"/>
-          </a:effectRef>
-          <a:fontRef idx="minor">
-            <a:schemeClr val="lt1"/>
-          </a:fontRef>
-        </p:style>
-        <p:txBody>
-          <a:bodyPr rtlCol="0" anchor="ctr"/>
-          <a:lstStyle/>
-          <a:p>
-            <a:pPr algn="ctr"/>
-            <a:endParaRPr lang="en-US"/>
-          </a:p>
-        </p:txBody>
-      </p:sp>
-      <p:sp>
-        <p:nvSpPr>
-          <p:cNvPr id="2" name="Title 1">
-            <a:extLst>
-              <a:ext uri="{FF2B5EF4-FFF2-40B4-BE49-F238E27FC236}">
-                <a16:creationId xmlns:a16="http://schemas.microsoft.com/office/drawing/2014/main" id="{DDA95AF5-D8AA-476D-B970-44A8FDDEF57C}"/>
-              </a:ext>
-            </a:extLst>
-          </p:cNvPr>
-          <p:cNvSpPr>
-            <a:spLocks noGrp="1"/>
-          </p:cNvSpPr>
-          <p:nvPr>
-            <p:ph type="ctrTitle"/>
-          </p:nvPr>
-        </p:nvSpPr>
-        <p:spPr>
-          <a:xfrm>
-            <a:off x="5889072" y="1371600"/>
-            <a:ext cx="5428203" cy="2933952"/>
-          </a:xfrm>
-        </p:spPr>
-        <p:txBody>
-          <a:bodyPr anchor="t">
-            <a:normAutofit/>
-          </a:bodyPr>
-          <a:lstStyle/>
-          <a:p>
-            <a:pPr algn="r"/>
-            <a:r>
-              <a:rPr lang="en-US" dirty="0">
-                <a:solidFill>
-                  <a:srgbClr val="FFFFFF"/>
-                </a:solidFill>
-              </a:rPr>
-              <a:t>Yellow Taxicab Driver Stress Level</a:t>
-            </a:r>
-          </a:p>
-        </p:txBody>
-      </p:sp>
-      <p:cxnSp>
-        <p:nvCxnSpPr>
-          <p:cNvPr id="19" name="Straight Connector 18">
-            <a:extLst>
-              <a:ext uri="{FF2B5EF4-FFF2-40B4-BE49-F238E27FC236}">
-                <a16:creationId xmlns:a16="http://schemas.microsoft.com/office/drawing/2014/main" id="{F0CE0765-E93C-4D37-9D5F-D464EFB10FA7}"/>
-              </a:ext>
-              <a:ext uri="{C183D7F6-B498-43B3-948B-1728B52AA6E4}">
-                <adec:decorative xmlns:adec="http://schemas.microsoft.com/office/drawing/2017/decorative" val="1"/>
-              </a:ext>
-            </a:extLst>
-          </p:cNvPr>
-          <p:cNvCxnSpPr>
-            <a:cxnSpLocks noGrp="1" noRot="1" noChangeAspect="1" noMove="1" noResize="1" noEditPoints="1" noAdjustHandles="1" noChangeArrowheads="1" noChangeShapeType="1"/>
-          </p:cNvCxnSpPr>
-          <p:nvPr>
-            <p:extLst>
-              <p:ext uri="{386F3935-93C4-4BCD-93E2-E3B085C9AB24}">
-                <p16:designElem xmlns:p16="http://schemas.microsoft.com/office/powerpoint/2015/main" val="1"/>
-              </p:ext>
-            </p:extLst>
-          </p:nvPr>
-        </p:nvCxnSpPr>
-        <p:spPr>
-          <a:xfrm>
-            <a:off x="10222043" y="1031001"/>
-            <a:ext cx="978862" cy="0"/>
-          </a:xfrm>
-          <a:prstGeom prst="line">
-            <a:avLst/>
-          </a:prstGeom>
-          <a:ln w="76200"/>
-        </p:spPr>
-        <p:style>
-          <a:lnRef idx="1">
-            <a:schemeClr val="accent1"/>
-          </a:lnRef>
-          <a:fillRef idx="0">
-            <a:schemeClr val="accent1"/>
-          </a:fillRef>
-          <a:effectRef idx="0">
-            <a:schemeClr val="accent1"/>
-          </a:effectRef>
-          <a:fontRef idx="minor">
-            <a:schemeClr val="tx1"/>
-          </a:fontRef>
-        </p:style>
-      </p:cxnSp>
-      <p:sp>
-        <p:nvSpPr>
-          <p:cNvPr id="7" name="Subtitle 6">
-            <a:extLst>
-              <a:ext uri="{FF2B5EF4-FFF2-40B4-BE49-F238E27FC236}">
-                <a16:creationId xmlns:a16="http://schemas.microsoft.com/office/drawing/2014/main" id="{41C91661-0BF8-4DD4-B66C-FB2A5EADAB76}"/>
-              </a:ext>
-            </a:extLst>
-          </p:cNvPr>
-          <p:cNvSpPr>
-            <a:spLocks noGrp="1"/>
-          </p:cNvSpPr>
-          <p:nvPr>
-            <p:ph type="subTitle" idx="1"/>
-          </p:nvPr>
-        </p:nvSpPr>
-        <p:spPr>
-          <a:xfrm>
-            <a:off x="5381735" y="2838576"/>
-            <a:ext cx="5935540" cy="453478"/>
-          </a:xfrm>
-        </p:spPr>
-        <p:txBody>
-          <a:bodyPr/>
-          <a:lstStyle/>
-          <a:p>
-            <a:pPr algn="r"/>
-            <a:r>
-              <a:rPr lang="en-US" dirty="0">
-                <a:solidFill>
-                  <a:schemeClr val="bg1"/>
-                </a:solidFill>
-              </a:rPr>
-              <a:t>Potential for partial automation</a:t>
-            </a:r>
-          </a:p>
-        </p:txBody>
-      </p:sp>
-    </p:spTree>
-    <p:extLst>
-      <p:ext uri="{BB962C8B-B14F-4D97-AF65-F5344CB8AC3E}">
-        <p14:creationId xmlns:p14="http://schemas.microsoft.com/office/powerpoint/2010/main" val="4249992916"/>
-      </p:ext>
-    </p:extLst>
-  </p:cSld>
-  <p:clrMapOvr>
-    <a:masterClrMapping/>
-  </p:clrMapOvr>
-</p:sld>
-</file>
-
-<file path=ppt/slides/slide2.xml><?xml version="1.0" encoding="utf-8"?>
-<p:sld xmlns:a="http://schemas.openxmlformats.org/drawingml/2006/main" xmlns:r="http://schemas.openxmlformats.org/officeDocument/2006/relationships" xmlns:p="http://schemas.openxmlformats.org/presentationml/2006/main">
-  <p:cSld>
-    <p:bg>
-      <p:bgPr>
-        <a:solidFill>
-          <a:schemeClr val="bg1"/>
-        </a:solidFill>
-        <a:effectLst/>
-      </p:bgPr>
-    </p:bg>
-    <p:spTree>
-      <p:nvGrpSpPr>
-        <p:cNvPr id="1" name=""/>
-        <p:cNvGrpSpPr/>
-        <p:nvPr/>
-      </p:nvGrpSpPr>
-      <p:grpSpPr>
-        <a:xfrm>
-          <a:off x="0" y="0"/>
-          <a:ext cx="0" cy="0"/>
-          <a:chOff x="0" y="0"/>
-          <a:chExt cx="0" cy="0"/>
-        </a:xfrm>
-      </p:grpSpPr>
       <p:cxnSp>
         <p:nvCxnSpPr>
           <p:cNvPr id="16" name="Straight Connector 9">
@@ -3903,6 +3555,257 @@
           </a:prstGeom>
         </p:spPr>
       </p:pic>
+      <p:sp>
+        <p:nvSpPr>
+          <p:cNvPr id="2" name="TextBox 1">
+            <a:extLst>
+              <a:ext uri="{FF2B5EF4-FFF2-40B4-BE49-F238E27FC236}">
+                <a16:creationId xmlns:a16="http://schemas.microsoft.com/office/drawing/2014/main" id="{4894F401-4F84-4828-9F5F-DFEBE3CB4AEE}"/>
+              </a:ext>
+            </a:extLst>
+          </p:cNvPr>
+          <p:cNvSpPr txBox="1"/>
+          <p:nvPr/>
+        </p:nvSpPr>
+        <p:spPr>
+          <a:xfrm>
+            <a:off x="-1" y="441228"/>
+            <a:ext cx="9509334" cy="830997"/>
+          </a:xfrm>
+          <a:prstGeom prst="rect">
+            <a:avLst/>
+          </a:prstGeom>
+          <a:noFill/>
+        </p:spPr>
+        <p:txBody>
+          <a:bodyPr wrap="none" rtlCol="0">
+            <a:spAutoFit/>
+          </a:bodyPr>
+          <a:lstStyle/>
+          <a:p>
+            <a:r>
+              <a:rPr lang="en-US" sz="4800" b="1" dirty="0">
+                <a:solidFill>
+                  <a:srgbClr val="FFFFFF"/>
+                </a:solidFill>
+              </a:rPr>
+              <a:t>Yellow Taxicab Driver Stress Level</a:t>
+            </a:r>
+            <a:endParaRPr lang="en-US" sz="4800" b="1" dirty="0"/>
+          </a:p>
+        </p:txBody>
+      </p:sp>
+      <p:sp>
+        <p:nvSpPr>
+          <p:cNvPr id="6" name="Subtitle 6">
+            <a:extLst>
+              <a:ext uri="{FF2B5EF4-FFF2-40B4-BE49-F238E27FC236}">
+                <a16:creationId xmlns:a16="http://schemas.microsoft.com/office/drawing/2014/main" id="{CCB8CBD5-58EC-4655-8D61-2B5353AB919F}"/>
+              </a:ext>
+            </a:extLst>
+          </p:cNvPr>
+          <p:cNvSpPr txBox="1">
+            <a:spLocks/>
+          </p:cNvSpPr>
+          <p:nvPr/>
+        </p:nvSpPr>
+        <p:spPr>
+          <a:xfrm>
+            <a:off x="2575421" y="1279922"/>
+            <a:ext cx="5935540" cy="453478"/>
+          </a:xfrm>
+          <a:prstGeom prst="rect">
+            <a:avLst/>
+          </a:prstGeom>
+        </p:spPr>
+        <p:txBody>
+          <a:bodyPr vert="horz" lIns="91440" tIns="45720" rIns="91440" bIns="45720" rtlCol="0">
+            <a:normAutofit fontScale="92500"/>
+          </a:bodyPr>
+          <a:lstStyle>
+            <a:lvl1pPr marL="228600" indent="-228600" algn="l" defTabSz="914400" rtl="0" eaLnBrk="1" latinLnBrk="0" hangingPunct="1">
+              <a:lnSpc>
+                <a:spcPct val="120000"/>
+              </a:lnSpc>
+              <a:spcBef>
+                <a:spcPts val="1000"/>
+              </a:spcBef>
+              <a:buSzPct val="87000"/>
+              <a:buFont typeface="Arial" panose="020B0604020202020204" pitchFamily="34" charset="0"/>
+              <a:buChar char="•"/>
+              <a:defRPr sz="2000" kern="1200">
+                <a:solidFill>
+                  <a:schemeClr val="tx1"/>
+                </a:solidFill>
+                <a:latin typeface="+mn-lt"/>
+                <a:ea typeface="+mn-ea"/>
+                <a:cs typeface="+mn-cs"/>
+              </a:defRPr>
+            </a:lvl1pPr>
+            <a:lvl2pPr marL="274320" indent="0" algn="l" defTabSz="914400" rtl="0" eaLnBrk="1" latinLnBrk="0" hangingPunct="1">
+              <a:lnSpc>
+                <a:spcPct val="120000"/>
+              </a:lnSpc>
+              <a:spcBef>
+                <a:spcPts val="500"/>
+              </a:spcBef>
+              <a:buSzPct val="87000"/>
+              <a:buFontTx/>
+              <a:buNone/>
+              <a:defRPr sz="1800" kern="1200">
+                <a:solidFill>
+                  <a:schemeClr val="tx1"/>
+                </a:solidFill>
+                <a:latin typeface="+mn-lt"/>
+                <a:ea typeface="+mn-ea"/>
+                <a:cs typeface="+mn-cs"/>
+              </a:defRPr>
+            </a:lvl2pPr>
+            <a:lvl3pPr marL="548640" indent="-228600" algn="l" defTabSz="914400" rtl="0" eaLnBrk="1" latinLnBrk="0" hangingPunct="1">
+              <a:lnSpc>
+                <a:spcPct val="120000"/>
+              </a:lnSpc>
+              <a:spcBef>
+                <a:spcPts val="500"/>
+              </a:spcBef>
+              <a:buSzPct val="87000"/>
+              <a:buFont typeface="Arial" panose="020B0604020202020204" pitchFamily="34" charset="0"/>
+              <a:buChar char="•"/>
+              <a:defRPr sz="1600" kern="1200">
+                <a:solidFill>
+                  <a:schemeClr val="tx1"/>
+                </a:solidFill>
+                <a:latin typeface="+mn-lt"/>
+                <a:ea typeface="+mn-ea"/>
+                <a:cs typeface="+mn-cs"/>
+              </a:defRPr>
+            </a:lvl3pPr>
+            <a:lvl4pPr marL="594360" indent="0" algn="l" defTabSz="914400" rtl="0" eaLnBrk="1" latinLnBrk="0" hangingPunct="1">
+              <a:lnSpc>
+                <a:spcPct val="120000"/>
+              </a:lnSpc>
+              <a:spcBef>
+                <a:spcPts val="500"/>
+              </a:spcBef>
+              <a:buSzPct val="87000"/>
+              <a:buFontTx/>
+              <a:buNone/>
+              <a:defRPr sz="1400" kern="1200">
+                <a:solidFill>
+                  <a:schemeClr val="tx1"/>
+                </a:solidFill>
+                <a:latin typeface="+mn-lt"/>
+                <a:ea typeface="+mn-ea"/>
+                <a:cs typeface="+mn-cs"/>
+              </a:defRPr>
+            </a:lvl4pPr>
+            <a:lvl5pPr marL="822960" indent="-228600" algn="l" defTabSz="914400" rtl="0" eaLnBrk="1" latinLnBrk="0" hangingPunct="1">
+              <a:lnSpc>
+                <a:spcPct val="120000"/>
+              </a:lnSpc>
+              <a:spcBef>
+                <a:spcPts val="500"/>
+              </a:spcBef>
+              <a:buSzPct val="87000"/>
+              <a:buFont typeface="Arial" panose="020B0604020202020204" pitchFamily="34" charset="0"/>
+              <a:buChar char="•"/>
+              <a:defRPr sz="1400" kern="1200">
+                <a:solidFill>
+                  <a:schemeClr val="tx1"/>
+                </a:solidFill>
+                <a:latin typeface="+mn-lt"/>
+                <a:ea typeface="+mn-ea"/>
+                <a:cs typeface="+mn-cs"/>
+              </a:defRPr>
+            </a:lvl5pPr>
+            <a:lvl6pPr marL="2514600" indent="-228600" algn="l" defTabSz="914400" rtl="0" eaLnBrk="1" latinLnBrk="0" hangingPunct="1">
+              <a:lnSpc>
+                <a:spcPct val="90000"/>
+              </a:lnSpc>
+              <a:spcBef>
+                <a:spcPts val="500"/>
+              </a:spcBef>
+              <a:buFont typeface="Arial" panose="020B0604020202020204" pitchFamily="34" charset="0"/>
+              <a:buChar char="•"/>
+              <a:defRPr sz="1800" kern="1200">
+                <a:solidFill>
+                  <a:schemeClr val="tx1"/>
+                </a:solidFill>
+                <a:latin typeface="+mn-lt"/>
+                <a:ea typeface="+mn-ea"/>
+                <a:cs typeface="+mn-cs"/>
+              </a:defRPr>
+            </a:lvl6pPr>
+            <a:lvl7pPr marL="2971800" indent="-228600" algn="l" defTabSz="914400" rtl="0" eaLnBrk="1" latinLnBrk="0" hangingPunct="1">
+              <a:lnSpc>
+                <a:spcPct val="90000"/>
+              </a:lnSpc>
+              <a:spcBef>
+                <a:spcPts val="500"/>
+              </a:spcBef>
+              <a:buFont typeface="Arial" panose="020B0604020202020204" pitchFamily="34" charset="0"/>
+              <a:buChar char="•"/>
+              <a:defRPr sz="1800" kern="1200">
+                <a:solidFill>
+                  <a:schemeClr val="tx1"/>
+                </a:solidFill>
+                <a:latin typeface="+mn-lt"/>
+                <a:ea typeface="+mn-ea"/>
+                <a:cs typeface="+mn-cs"/>
+              </a:defRPr>
+            </a:lvl7pPr>
+            <a:lvl8pPr marL="3429000" indent="-228600" algn="l" defTabSz="914400" rtl="0" eaLnBrk="1" latinLnBrk="0" hangingPunct="1">
+              <a:lnSpc>
+                <a:spcPct val="90000"/>
+              </a:lnSpc>
+              <a:spcBef>
+                <a:spcPts val="500"/>
+              </a:spcBef>
+              <a:buFont typeface="Arial" panose="020B0604020202020204" pitchFamily="34" charset="0"/>
+              <a:buChar char="•"/>
+              <a:defRPr sz="1800" kern="1200">
+                <a:solidFill>
+                  <a:schemeClr val="tx1"/>
+                </a:solidFill>
+                <a:latin typeface="+mn-lt"/>
+                <a:ea typeface="+mn-ea"/>
+                <a:cs typeface="+mn-cs"/>
+              </a:defRPr>
+            </a:lvl8pPr>
+            <a:lvl9pPr marL="3886200" indent="-228600" algn="l" defTabSz="914400" rtl="0" eaLnBrk="1" latinLnBrk="0" hangingPunct="1">
+              <a:lnSpc>
+                <a:spcPct val="90000"/>
+              </a:lnSpc>
+              <a:spcBef>
+                <a:spcPts val="500"/>
+              </a:spcBef>
+              <a:buFont typeface="Arial" panose="020B0604020202020204" pitchFamily="34" charset="0"/>
+              <a:buChar char="•"/>
+              <a:defRPr sz="1800" kern="1200">
+                <a:solidFill>
+                  <a:schemeClr val="tx1"/>
+                </a:solidFill>
+                <a:latin typeface="+mn-lt"/>
+                <a:ea typeface="+mn-ea"/>
+                <a:cs typeface="+mn-cs"/>
+              </a:defRPr>
+            </a:lvl9pPr>
+          </a:lstStyle>
+          <a:p>
+            <a:pPr marL="0" indent="0">
+              <a:buNone/>
+            </a:pPr>
+            <a:r>
+              <a:rPr lang="en-US" sz="2400" dirty="0">
+                <a:solidFill>
+                  <a:schemeClr val="bg1"/>
+                </a:solidFill>
+              </a:rPr>
+              <a:t>Potential for partial automation</a:t>
+            </a:r>
+          </a:p>
+        </p:txBody>
+      </p:sp>
     </p:spTree>
     <p:extLst>
       <p:ext uri="{BB962C8B-B14F-4D97-AF65-F5344CB8AC3E}">
@@ -3916,7 +3819,7 @@
 </p:sld>
 </file>
 
-<file path=ppt/slides/slide3.xml><?xml version="1.0" encoding="utf-8"?>
+<file path=ppt/slides/slide2.xml><?xml version="1.0" encoding="utf-8"?>
 <p:sld xmlns:a="http://schemas.openxmlformats.org/drawingml/2006/main" xmlns:r="http://schemas.openxmlformats.org/officeDocument/2006/relationships" xmlns:p="http://schemas.openxmlformats.org/presentationml/2006/main">
   <p:cSld>
     <p:spTree>
@@ -4251,7 +4154,7 @@
 </p:sld>
 </file>
 
-<file path=ppt/slides/slide4.xml><?xml version="1.0" encoding="utf-8"?>
+<file path=ppt/slides/slide3.xml><?xml version="1.0" encoding="utf-8"?>
 <p:sld xmlns:a="http://schemas.openxmlformats.org/drawingml/2006/main" xmlns:r="http://schemas.openxmlformats.org/officeDocument/2006/relationships" xmlns:p="http://schemas.openxmlformats.org/presentationml/2006/main">
   <p:cSld>
     <p:spTree>
@@ -4424,7 +4327,7 @@
 </p:sld>
 </file>
 
-<file path=ppt/slides/slide5.xml><?xml version="1.0" encoding="utf-8"?>
+<file path=ppt/slides/slide4.xml><?xml version="1.0" encoding="utf-8"?>
 <p:sld xmlns:a="http://schemas.openxmlformats.org/drawingml/2006/main" xmlns:r="http://schemas.openxmlformats.org/officeDocument/2006/relationships" xmlns:p="http://schemas.openxmlformats.org/presentationml/2006/main">
   <p:cSld>
     <p:bg>

--- a/Presentation_NJ.pptx
+++ b/Presentation_NJ.pptx
@@ -5,10 +5,11 @@
     <p:sldMasterId id="2147483699" r:id="rId1"/>
   </p:sldMasterIdLst>
   <p:sldIdLst>
-    <p:sldId id="261" r:id="rId2"/>
-    <p:sldId id="257" r:id="rId3"/>
-    <p:sldId id="258" r:id="rId4"/>
-    <p:sldId id="259" r:id="rId5"/>
+    <p:sldId id="260" r:id="rId2"/>
+    <p:sldId id="256" r:id="rId3"/>
+    <p:sldId id="257" r:id="rId4"/>
+    <p:sldId id="258" r:id="rId5"/>
+    <p:sldId id="259" r:id="rId6"/>
   </p:sldIdLst>
   <p:sldSz cx="12192000" cy="6858000"/>
   <p:notesSz cx="6858000" cy="9144000"/>
@@ -3372,6 +3373,36 @@
 <file path=ppt/slides/slide1.xml><?xml version="1.0" encoding="utf-8"?>
 <p:sld xmlns:a="http://schemas.openxmlformats.org/drawingml/2006/main" xmlns:r="http://schemas.openxmlformats.org/officeDocument/2006/relationships" xmlns:p="http://schemas.openxmlformats.org/presentationml/2006/main">
   <p:cSld>
+    <p:spTree>
+      <p:nvGrpSpPr>
+        <p:cNvPr id="1" name=""/>
+        <p:cNvGrpSpPr/>
+        <p:nvPr/>
+      </p:nvGrpSpPr>
+      <p:grpSpPr>
+        <a:xfrm>
+          <a:off x="0" y="0"/>
+          <a:ext cx="0" cy="0"/>
+          <a:chOff x="0" y="0"/>
+          <a:chExt cx="0" cy="0"/>
+        </a:xfrm>
+      </p:grpSpPr>
+    </p:spTree>
+    <p:extLst>
+      <p:ext uri="{BB962C8B-B14F-4D97-AF65-F5344CB8AC3E}">
+        <p14:creationId xmlns:p14="http://schemas.microsoft.com/office/powerpoint/2010/main" val="1606373107"/>
+      </p:ext>
+    </p:extLst>
+  </p:cSld>
+  <p:clrMapOvr>
+    <a:masterClrMapping/>
+  </p:clrMapOvr>
+</p:sld>
+</file>
+
+<file path=ppt/slides/slide2.xml><?xml version="1.0" encoding="utf-8"?>
+<p:sld xmlns:a="http://schemas.openxmlformats.org/drawingml/2006/main" xmlns:r="http://schemas.openxmlformats.org/officeDocument/2006/relationships" xmlns:p="http://schemas.openxmlformats.org/presentationml/2006/main">
+  <p:cSld>
     <p:bg>
       <p:bgPr>
         <a:solidFill>
@@ -3394,21 +3425,21 @@
           <a:chExt cx="0" cy="0"/>
         </a:xfrm>
       </p:grpSpPr>
-      <p:cxnSp>
-        <p:nvCxnSpPr>
-          <p:cNvPr id="16" name="Straight Connector 9">
-            <a:extLst>
-              <a:ext uri="{FF2B5EF4-FFF2-40B4-BE49-F238E27FC236}">
-                <a16:creationId xmlns:a16="http://schemas.microsoft.com/office/drawing/2014/main" id="{F209B62C-3402-4623-9A7C-AA048B56F8C3}"/>
+      <p:sp>
+        <p:nvSpPr>
+          <p:cNvPr id="15" name="Rectangle 14">
+            <a:extLst>
+              <a:ext uri="{FF2B5EF4-FFF2-40B4-BE49-F238E27FC236}">
+                <a16:creationId xmlns:a16="http://schemas.microsoft.com/office/drawing/2014/main" id="{19F9BF86-FE94-4517-B97D-026C7515E589}"/>
               </a:ext>
               <a:ext uri="{C183D7F6-B498-43B3-948B-1728B52AA6E4}">
                 <adec:decorative xmlns:adec="http://schemas.microsoft.com/office/drawing/2017/decorative" val="1"/>
               </a:ext>
             </a:extLst>
           </p:cNvPr>
-          <p:cNvCxnSpPr>
-            <a:cxnSpLocks noGrp="1" noRot="1" noChangeAspect="1" noMove="1" noResize="1" noEditPoints="1" noAdjustHandles="1" noChangeArrowheads="1" noChangeShapeType="1"/>
-          </p:cNvCxnSpPr>
+          <p:cNvSpPr>
+            <a:spLocks noGrp="1" noRot="1" noChangeAspect="1" noMove="1" noResize="1" noEditPoints="1" noAdjustHandles="1" noChangeArrowheads="1" noChangeShapeType="1" noTextEdit="1"/>
+          </p:cNvSpPr>
           <p:nvPr>
             <p:extLst>
               <p:ext uri="{386F3935-93C4-4BCD-93E2-E3B085C9AB24}">
@@ -3416,10 +3447,233 @@
               </p:ext>
             </p:extLst>
           </p:nvPr>
+        </p:nvSpPr>
+        <p:spPr>
+          <a:xfrm>
+            <a:off x="0" y="0"/>
+            <a:ext cx="12192000" cy="6858000"/>
+          </a:xfrm>
+          <a:prstGeom prst="rect">
+            <a:avLst/>
+          </a:prstGeom>
+          <a:solidFill>
+            <a:srgbClr val="000000"/>
+          </a:solidFill>
+          <a:ln w="12700" cap="flat" cmpd="sng" algn="ctr">
+            <a:noFill/>
+            <a:prstDash val="solid"/>
+            <a:miter lim="800000"/>
+          </a:ln>
+          <a:effectLst/>
+        </p:spPr>
+        <p:style>
+          <a:lnRef idx="2">
+            <a:schemeClr val="accent1">
+              <a:shade val="50000"/>
+            </a:schemeClr>
+          </a:lnRef>
+          <a:fillRef idx="1">
+            <a:schemeClr val="accent1"/>
+          </a:fillRef>
+          <a:effectRef idx="0">
+            <a:schemeClr val="accent1"/>
+          </a:effectRef>
+          <a:fontRef idx="minor">
+            <a:schemeClr val="lt1"/>
+          </a:fontRef>
+        </p:style>
+        <p:txBody>
+          <a:bodyPr rtlCol="0" anchor="ctr"/>
+          <a:lstStyle/>
+          <a:p>
+            <a:pPr algn="ctr"/>
+            <a:endParaRPr lang="en-US"/>
+          </a:p>
+        </p:txBody>
+      </p:sp>
+      <p:pic>
+        <p:nvPicPr>
+          <p:cNvPr id="5" name="Picture 4" descr="A picture containing text, road, street, city&#10;&#10;Description automatically generated">
+            <a:extLst>
+              <a:ext uri="{FF2B5EF4-FFF2-40B4-BE49-F238E27FC236}">
+                <a16:creationId xmlns:a16="http://schemas.microsoft.com/office/drawing/2014/main" id="{354022D0-7C3E-44A3-9F93-978EC4A4FAD0}"/>
+              </a:ext>
+            </a:extLst>
+          </p:cNvPr>
+          <p:cNvPicPr>
+            <a:picLocks noChangeAspect="1"/>
+          </p:cNvPicPr>
+          <p:nvPr/>
+        </p:nvPicPr>
+        <p:blipFill rotWithShape="1">
+          <a:blip r:embed="rId2">
+            <a:alphaModFix/>
+            <a:extLst>
+              <a:ext uri="{28A0092B-C50C-407E-A947-70E740481C1C}">
+                <a14:useLocalDpi xmlns:a14="http://schemas.microsoft.com/office/drawing/2010/main" val="0"/>
+              </a:ext>
+            </a:extLst>
+          </a:blip>
+          <a:srcRect b="15732"/>
+          <a:stretch/>
+        </p:blipFill>
+        <p:spPr>
+          <a:xfrm>
+            <a:off x="20" y="10"/>
+            <a:ext cx="12191980" cy="6857990"/>
+          </a:xfrm>
+          <a:prstGeom prst="rect">
+            <a:avLst/>
+          </a:prstGeom>
+        </p:spPr>
+      </p:pic>
+      <p:sp>
+        <p:nvSpPr>
+          <p:cNvPr id="17" name="Rectangle 16">
+            <a:extLst>
+              <a:ext uri="{FF2B5EF4-FFF2-40B4-BE49-F238E27FC236}">
+                <a16:creationId xmlns:a16="http://schemas.microsoft.com/office/drawing/2014/main" id="{F8B2ECD5-47B1-47AD-AC9D-045064631A65}"/>
+              </a:ext>
+              <a:ext uri="{C183D7F6-B498-43B3-948B-1728B52AA6E4}">
+                <adec:decorative xmlns:adec="http://schemas.microsoft.com/office/drawing/2017/decorative" val="1"/>
+              </a:ext>
+            </a:extLst>
+          </p:cNvPr>
+          <p:cNvSpPr>
+            <a:spLocks noGrp="1" noRot="1" noChangeAspect="1" noMove="1" noResize="1" noEditPoints="1" noAdjustHandles="1" noChangeArrowheads="1" noChangeShapeType="1" noTextEdit="1"/>
+          </p:cNvSpPr>
+          <p:nvPr>
+            <p:extLst>
+              <p:ext uri="{386F3935-93C4-4BCD-93E2-E3B085C9AB24}">
+                <p16:designElem xmlns:p16="http://schemas.microsoft.com/office/powerpoint/2015/main" val="1"/>
+              </p:ext>
+            </p:extLst>
+          </p:nvPr>
+        </p:nvSpPr>
+        <p:spPr>
+          <a:xfrm rot="10800000">
+            <a:off x="3648484" y="0"/>
+            <a:ext cx="8543515" cy="6858000"/>
+          </a:xfrm>
+          <a:prstGeom prst="rect">
+            <a:avLst/>
+          </a:prstGeom>
+          <a:gradFill flip="none" rotWithShape="1">
+            <a:gsLst>
+              <a:gs pos="0">
+                <a:srgbClr val="000000">
+                  <a:alpha val="0"/>
+                </a:srgbClr>
+              </a:gs>
+              <a:gs pos="58000">
+                <a:srgbClr val="000000">
+                  <a:alpha val="55000"/>
+                </a:srgbClr>
+              </a:gs>
+              <a:gs pos="93000">
+                <a:srgbClr val="000000">
+                  <a:alpha val="64000"/>
+                </a:srgbClr>
+              </a:gs>
+            </a:gsLst>
+            <a:lin ang="10800000" scaled="1"/>
+            <a:tileRect/>
+          </a:gradFill>
+          <a:ln>
+            <a:noFill/>
+          </a:ln>
+        </p:spPr>
+        <p:style>
+          <a:lnRef idx="2">
+            <a:schemeClr val="accent1">
+              <a:shade val="50000"/>
+            </a:schemeClr>
+          </a:lnRef>
+          <a:fillRef idx="1">
+            <a:schemeClr val="accent1"/>
+          </a:fillRef>
+          <a:effectRef idx="0">
+            <a:schemeClr val="accent1"/>
+          </a:effectRef>
+          <a:fontRef idx="minor">
+            <a:schemeClr val="lt1"/>
+          </a:fontRef>
+        </p:style>
+        <p:txBody>
+          <a:bodyPr rtlCol="0" anchor="ctr"/>
+          <a:lstStyle/>
+          <a:p>
+            <a:pPr algn="ctr"/>
+            <a:endParaRPr lang="en-US"/>
+          </a:p>
+        </p:txBody>
+      </p:sp>
+      <p:sp>
+        <p:nvSpPr>
+          <p:cNvPr id="2" name="Title 1">
+            <a:extLst>
+              <a:ext uri="{FF2B5EF4-FFF2-40B4-BE49-F238E27FC236}">
+                <a16:creationId xmlns:a16="http://schemas.microsoft.com/office/drawing/2014/main" id="{DDA95AF5-D8AA-476D-B970-44A8FDDEF57C}"/>
+              </a:ext>
+            </a:extLst>
+          </p:cNvPr>
+          <p:cNvSpPr>
+            <a:spLocks noGrp="1"/>
+          </p:cNvSpPr>
+          <p:nvPr>
+            <p:ph type="ctrTitle"/>
+          </p:nvPr>
+        </p:nvSpPr>
+        <p:spPr>
+          <a:xfrm>
+            <a:off x="5889072" y="1371600"/>
+            <a:ext cx="5428203" cy="2933952"/>
+          </a:xfrm>
+        </p:spPr>
+        <p:txBody>
+          <a:bodyPr anchor="t">
+            <a:normAutofit/>
+          </a:bodyPr>
+          <a:lstStyle/>
+          <a:p>
+            <a:pPr algn="r"/>
+            <a:r>
+              <a:rPr lang="en-US" dirty="0">
+                <a:solidFill>
+                  <a:srgbClr val="FFFFFF"/>
+                </a:solidFill>
+              </a:rPr>
+              <a:t>Yellow Taxicab Driver Stress Level</a:t>
+            </a:r>
+          </a:p>
+        </p:txBody>
+      </p:sp>
+      <p:cxnSp>
+        <p:nvCxnSpPr>
+          <p:cNvPr id="19" name="Straight Connector 18">
+            <a:extLst>
+              <a:ext uri="{FF2B5EF4-FFF2-40B4-BE49-F238E27FC236}">
+                <a16:creationId xmlns:a16="http://schemas.microsoft.com/office/drawing/2014/main" id="{F0CE0765-E93C-4D37-9D5F-D464EFB10FA7}"/>
+              </a:ext>
+              <a:ext uri="{C183D7F6-B498-43B3-948B-1728B52AA6E4}">
+                <adec:decorative xmlns:adec="http://schemas.microsoft.com/office/drawing/2017/decorative" val="1"/>
+              </a:ext>
+            </a:extLst>
+          </p:cNvPr>
+          <p:cNvCxnSpPr>
+            <a:cxnSpLocks noGrp="1" noRot="1" noChangeAspect="1" noMove="1" noResize="1" noEditPoints="1" noAdjustHandles="1" noChangeArrowheads="1" noChangeShapeType="1"/>
+          </p:cNvCxnSpPr>
+          <p:nvPr>
+            <p:extLst>
+              <p:ext uri="{386F3935-93C4-4BCD-93E2-E3B085C9AB24}">
+                <p16:designElem xmlns:p16="http://schemas.microsoft.com/office/powerpoint/2015/main" val="1"/>
+              </p:ext>
+            </p:extLst>
+          </p:nvPr>
         </p:nvCxnSpPr>
         <p:spPr>
           <a:xfrm>
-            <a:off x="990600" y="1031001"/>
+            <a:off x="10222043" y="1031001"/>
             <a:ext cx="978862" cy="0"/>
           </a:xfrm>
           <a:prstGeom prst="line">
@@ -3442,361 +3696,35 @@
           </a:fontRef>
         </p:style>
       </p:cxnSp>
-      <p:sp useBgFill="1">
-        <p:nvSpPr>
-          <p:cNvPr id="17" name="Rectangle 11">
-            <a:extLst>
-              <a:ext uri="{FF2B5EF4-FFF2-40B4-BE49-F238E27FC236}">
-                <a16:creationId xmlns:a16="http://schemas.microsoft.com/office/drawing/2014/main" id="{ABA4FDDF-F59C-428B-8603-3A86D75931AB}"/>
-              </a:ext>
-              <a:ext uri="{C183D7F6-B498-43B3-948B-1728B52AA6E4}">
-                <adec:decorative xmlns:adec="http://schemas.microsoft.com/office/drawing/2017/decorative" val="1"/>
-              </a:ext>
-            </a:extLst>
-          </p:cNvPr>
-          <p:cNvSpPr>
-            <a:spLocks noGrp="1" noRot="1" noChangeAspect="1" noMove="1" noResize="1" noEditPoints="1" noAdjustHandles="1" noChangeArrowheads="1" noChangeShapeType="1" noTextEdit="1"/>
-          </p:cNvSpPr>
-          <p:nvPr>
-            <p:extLst>
-              <p:ext uri="{386F3935-93C4-4BCD-93E2-E3B085C9AB24}">
-                <p16:designElem xmlns:p16="http://schemas.microsoft.com/office/powerpoint/2015/main" val="1"/>
-              </p:ext>
-            </p:extLst>
+      <p:sp>
+        <p:nvSpPr>
+          <p:cNvPr id="7" name="Subtitle 6">
+            <a:extLst>
+              <a:ext uri="{FF2B5EF4-FFF2-40B4-BE49-F238E27FC236}">
+                <a16:creationId xmlns:a16="http://schemas.microsoft.com/office/drawing/2014/main" id="{41C91661-0BF8-4DD4-B66C-FB2A5EADAB76}"/>
+              </a:ext>
+            </a:extLst>
+          </p:cNvPr>
+          <p:cNvSpPr>
+            <a:spLocks noGrp="1"/>
+          </p:cNvSpPr>
+          <p:nvPr>
+            <p:ph type="subTitle" idx="1"/>
           </p:nvPr>
         </p:nvSpPr>
         <p:spPr>
           <a:xfrm>
-            <a:off x="0" y="0"/>
-            <a:ext cx="12192000" cy="6858000"/>
-          </a:xfrm>
-          <a:prstGeom prst="rect">
-            <a:avLst/>
-          </a:prstGeom>
-          <a:ln w="12700" cap="flat" cmpd="sng" algn="ctr">
-            <a:noFill/>
-            <a:prstDash val="solid"/>
-            <a:miter lim="800000"/>
-          </a:ln>
-          <a:effectLst/>
-          <a:extLst>
-            <a:ext uri="{91240B29-F687-4F45-9708-019B960494DF}">
-              <a14:hiddenLine xmlns:a14="http://schemas.microsoft.com/office/drawing/2010/main" w="12700" cap="flat" cmpd="sng" algn="ctr">
-                <a:solidFill>
-                  <a:schemeClr val="accent1">
-                    <a:shade val="50000"/>
-                  </a:schemeClr>
-                </a:solidFill>
-                <a:prstDash val="solid"/>
-                <a:miter lim="800000"/>
-              </a14:hiddenLine>
-            </a:ext>
-          </a:extLst>
-        </p:spPr>
-        <p:style>
-          <a:lnRef idx="2">
-            <a:schemeClr val="accent1">
-              <a:shade val="50000"/>
-            </a:schemeClr>
-          </a:lnRef>
-          <a:fillRef idx="1">
-            <a:schemeClr val="accent1"/>
-          </a:fillRef>
-          <a:effectRef idx="0">
-            <a:schemeClr val="accent1"/>
-          </a:effectRef>
-          <a:fontRef idx="minor">
-            <a:schemeClr val="lt1"/>
-          </a:fontRef>
-        </p:style>
-        <p:txBody>
-          <a:bodyPr rtlCol="0" anchor="ctr"/>
-          <a:lstStyle/>
-          <a:p>
-            <a:pPr algn="ctr"/>
-            <a:endParaRPr lang="en-US"/>
-          </a:p>
-        </p:txBody>
-      </p:sp>
-      <p:pic>
-        <p:nvPicPr>
-          <p:cNvPr id="5" name="Content Placeholder 4" descr="A picture containing text, road, street, city&#10;&#10;Description automatically generated">
-            <a:extLst>
-              <a:ext uri="{FF2B5EF4-FFF2-40B4-BE49-F238E27FC236}">
-                <a16:creationId xmlns:a16="http://schemas.microsoft.com/office/drawing/2014/main" id="{E5CD1816-F2E3-45A8-8493-8198919CE3AE}"/>
-              </a:ext>
-            </a:extLst>
-          </p:cNvPr>
-          <p:cNvPicPr>
-            <a:picLocks noGrp="1" noChangeAspect="1"/>
-          </p:cNvPicPr>
-          <p:nvPr>
-            <p:ph idx="1"/>
-          </p:nvPr>
-        </p:nvPicPr>
-        <p:blipFill rotWithShape="1">
-          <a:blip r:embed="rId2">
-            <a:extLst>
-              <a:ext uri="{28A0092B-C50C-407E-A947-70E740481C1C}">
-                <a14:useLocalDpi xmlns:a14="http://schemas.microsoft.com/office/drawing/2010/main" val="0"/>
-              </a:ext>
-            </a:extLst>
-          </a:blip>
-          <a:srcRect b="15730"/>
-          <a:stretch/>
-        </p:blipFill>
-        <p:spPr>
-          <a:xfrm>
-            <a:off x="1" y="1"/>
-            <a:ext cx="12192000" cy="6857988"/>
-          </a:xfrm>
-          <a:prstGeom prst="rect">
-            <a:avLst/>
-          </a:prstGeom>
-        </p:spPr>
-      </p:pic>
-      <p:sp>
-        <p:nvSpPr>
-          <p:cNvPr id="2" name="TextBox 1">
-            <a:extLst>
-              <a:ext uri="{FF2B5EF4-FFF2-40B4-BE49-F238E27FC236}">
-                <a16:creationId xmlns:a16="http://schemas.microsoft.com/office/drawing/2014/main" id="{4894F401-4F84-4828-9F5F-DFEBE3CB4AEE}"/>
-              </a:ext>
-            </a:extLst>
-          </p:cNvPr>
-          <p:cNvSpPr txBox="1"/>
-          <p:nvPr/>
-        </p:nvSpPr>
-        <p:spPr>
-          <a:xfrm>
-            <a:off x="-1" y="441228"/>
-            <a:ext cx="9509334" cy="830997"/>
-          </a:xfrm>
-          <a:prstGeom prst="rect">
-            <a:avLst/>
-          </a:prstGeom>
-          <a:noFill/>
-        </p:spPr>
-        <p:txBody>
-          <a:bodyPr wrap="none" rtlCol="0">
-            <a:spAutoFit/>
-          </a:bodyPr>
-          <a:lstStyle/>
-          <a:p>
-            <a:r>
-              <a:rPr lang="en-US" sz="4800" b="1" dirty="0">
-                <a:solidFill>
-                  <a:srgbClr val="FFFFFF"/>
-                </a:solidFill>
-              </a:rPr>
-              <a:t>Yellow Taxicab Driver Stress Level</a:t>
-            </a:r>
-            <a:endParaRPr lang="en-US" sz="4800" b="1" dirty="0"/>
-          </a:p>
-        </p:txBody>
-      </p:sp>
-      <p:sp>
-        <p:nvSpPr>
-          <p:cNvPr id="6" name="Subtitle 6">
-            <a:extLst>
-              <a:ext uri="{FF2B5EF4-FFF2-40B4-BE49-F238E27FC236}">
-                <a16:creationId xmlns:a16="http://schemas.microsoft.com/office/drawing/2014/main" id="{CCB8CBD5-58EC-4655-8D61-2B5353AB919F}"/>
-              </a:ext>
-            </a:extLst>
-          </p:cNvPr>
-          <p:cNvSpPr txBox="1">
-            <a:spLocks/>
-          </p:cNvSpPr>
-          <p:nvPr/>
-        </p:nvSpPr>
-        <p:spPr>
-          <a:xfrm>
-            <a:off x="2575421" y="1279922"/>
+            <a:off x="5381735" y="2838576"/>
             <a:ext cx="5935540" cy="453478"/>
           </a:xfrm>
-          <a:prstGeom prst="rect">
-            <a:avLst/>
-          </a:prstGeom>
         </p:spPr>
         <p:txBody>
-          <a:bodyPr vert="horz" lIns="91440" tIns="45720" rIns="91440" bIns="45720" rtlCol="0">
-            <a:normAutofit fontScale="92500"/>
-          </a:bodyPr>
-          <a:lstStyle>
-            <a:lvl1pPr marL="228600" indent="-228600" algn="l" defTabSz="914400" rtl="0" eaLnBrk="1" latinLnBrk="0" hangingPunct="1">
-              <a:lnSpc>
-                <a:spcPct val="120000"/>
-              </a:lnSpc>
-              <a:spcBef>
-                <a:spcPts val="1000"/>
-              </a:spcBef>
-              <a:buSzPct val="87000"/>
-              <a:buFont typeface="Arial" panose="020B0604020202020204" pitchFamily="34" charset="0"/>
-              <a:buChar char="•"/>
-              <a:defRPr sz="2000" kern="1200">
-                <a:solidFill>
-                  <a:schemeClr val="tx1"/>
-                </a:solidFill>
-                <a:latin typeface="+mn-lt"/>
-                <a:ea typeface="+mn-ea"/>
-                <a:cs typeface="+mn-cs"/>
-              </a:defRPr>
-            </a:lvl1pPr>
-            <a:lvl2pPr marL="274320" indent="0" algn="l" defTabSz="914400" rtl="0" eaLnBrk="1" latinLnBrk="0" hangingPunct="1">
-              <a:lnSpc>
-                <a:spcPct val="120000"/>
-              </a:lnSpc>
-              <a:spcBef>
-                <a:spcPts val="500"/>
-              </a:spcBef>
-              <a:buSzPct val="87000"/>
-              <a:buFontTx/>
-              <a:buNone/>
-              <a:defRPr sz="1800" kern="1200">
-                <a:solidFill>
-                  <a:schemeClr val="tx1"/>
-                </a:solidFill>
-                <a:latin typeface="+mn-lt"/>
-                <a:ea typeface="+mn-ea"/>
-                <a:cs typeface="+mn-cs"/>
-              </a:defRPr>
-            </a:lvl2pPr>
-            <a:lvl3pPr marL="548640" indent="-228600" algn="l" defTabSz="914400" rtl="0" eaLnBrk="1" latinLnBrk="0" hangingPunct="1">
-              <a:lnSpc>
-                <a:spcPct val="120000"/>
-              </a:lnSpc>
-              <a:spcBef>
-                <a:spcPts val="500"/>
-              </a:spcBef>
-              <a:buSzPct val="87000"/>
-              <a:buFont typeface="Arial" panose="020B0604020202020204" pitchFamily="34" charset="0"/>
-              <a:buChar char="•"/>
-              <a:defRPr sz="1600" kern="1200">
-                <a:solidFill>
-                  <a:schemeClr val="tx1"/>
-                </a:solidFill>
-                <a:latin typeface="+mn-lt"/>
-                <a:ea typeface="+mn-ea"/>
-                <a:cs typeface="+mn-cs"/>
-              </a:defRPr>
-            </a:lvl3pPr>
-            <a:lvl4pPr marL="594360" indent="0" algn="l" defTabSz="914400" rtl="0" eaLnBrk="1" latinLnBrk="0" hangingPunct="1">
-              <a:lnSpc>
-                <a:spcPct val="120000"/>
-              </a:lnSpc>
-              <a:spcBef>
-                <a:spcPts val="500"/>
-              </a:spcBef>
-              <a:buSzPct val="87000"/>
-              <a:buFontTx/>
-              <a:buNone/>
-              <a:defRPr sz="1400" kern="1200">
-                <a:solidFill>
-                  <a:schemeClr val="tx1"/>
-                </a:solidFill>
-                <a:latin typeface="+mn-lt"/>
-                <a:ea typeface="+mn-ea"/>
-                <a:cs typeface="+mn-cs"/>
-              </a:defRPr>
-            </a:lvl4pPr>
-            <a:lvl5pPr marL="822960" indent="-228600" algn="l" defTabSz="914400" rtl="0" eaLnBrk="1" latinLnBrk="0" hangingPunct="1">
-              <a:lnSpc>
-                <a:spcPct val="120000"/>
-              </a:lnSpc>
-              <a:spcBef>
-                <a:spcPts val="500"/>
-              </a:spcBef>
-              <a:buSzPct val="87000"/>
-              <a:buFont typeface="Arial" panose="020B0604020202020204" pitchFamily="34" charset="0"/>
-              <a:buChar char="•"/>
-              <a:defRPr sz="1400" kern="1200">
-                <a:solidFill>
-                  <a:schemeClr val="tx1"/>
-                </a:solidFill>
-                <a:latin typeface="+mn-lt"/>
-                <a:ea typeface="+mn-ea"/>
-                <a:cs typeface="+mn-cs"/>
-              </a:defRPr>
-            </a:lvl5pPr>
-            <a:lvl6pPr marL="2514600" indent="-228600" algn="l" defTabSz="914400" rtl="0" eaLnBrk="1" latinLnBrk="0" hangingPunct="1">
-              <a:lnSpc>
-                <a:spcPct val="90000"/>
-              </a:lnSpc>
-              <a:spcBef>
-                <a:spcPts val="500"/>
-              </a:spcBef>
-              <a:buFont typeface="Arial" panose="020B0604020202020204" pitchFamily="34" charset="0"/>
-              <a:buChar char="•"/>
-              <a:defRPr sz="1800" kern="1200">
-                <a:solidFill>
-                  <a:schemeClr val="tx1"/>
-                </a:solidFill>
-                <a:latin typeface="+mn-lt"/>
-                <a:ea typeface="+mn-ea"/>
-                <a:cs typeface="+mn-cs"/>
-              </a:defRPr>
-            </a:lvl6pPr>
-            <a:lvl7pPr marL="2971800" indent="-228600" algn="l" defTabSz="914400" rtl="0" eaLnBrk="1" latinLnBrk="0" hangingPunct="1">
-              <a:lnSpc>
-                <a:spcPct val="90000"/>
-              </a:lnSpc>
-              <a:spcBef>
-                <a:spcPts val="500"/>
-              </a:spcBef>
-              <a:buFont typeface="Arial" panose="020B0604020202020204" pitchFamily="34" charset="0"/>
-              <a:buChar char="•"/>
-              <a:defRPr sz="1800" kern="1200">
-                <a:solidFill>
-                  <a:schemeClr val="tx1"/>
-                </a:solidFill>
-                <a:latin typeface="+mn-lt"/>
-                <a:ea typeface="+mn-ea"/>
-                <a:cs typeface="+mn-cs"/>
-              </a:defRPr>
-            </a:lvl7pPr>
-            <a:lvl8pPr marL="3429000" indent="-228600" algn="l" defTabSz="914400" rtl="0" eaLnBrk="1" latinLnBrk="0" hangingPunct="1">
-              <a:lnSpc>
-                <a:spcPct val="90000"/>
-              </a:lnSpc>
-              <a:spcBef>
-                <a:spcPts val="500"/>
-              </a:spcBef>
-              <a:buFont typeface="Arial" panose="020B0604020202020204" pitchFamily="34" charset="0"/>
-              <a:buChar char="•"/>
-              <a:defRPr sz="1800" kern="1200">
-                <a:solidFill>
-                  <a:schemeClr val="tx1"/>
-                </a:solidFill>
-                <a:latin typeface="+mn-lt"/>
-                <a:ea typeface="+mn-ea"/>
-                <a:cs typeface="+mn-cs"/>
-              </a:defRPr>
-            </a:lvl8pPr>
-            <a:lvl9pPr marL="3886200" indent="-228600" algn="l" defTabSz="914400" rtl="0" eaLnBrk="1" latinLnBrk="0" hangingPunct="1">
-              <a:lnSpc>
-                <a:spcPct val="90000"/>
-              </a:lnSpc>
-              <a:spcBef>
-                <a:spcPts val="500"/>
-              </a:spcBef>
-              <a:buFont typeface="Arial" panose="020B0604020202020204" pitchFamily="34" charset="0"/>
-              <a:buChar char="•"/>
-              <a:defRPr sz="1800" kern="1200">
-                <a:solidFill>
-                  <a:schemeClr val="tx1"/>
-                </a:solidFill>
-                <a:latin typeface="+mn-lt"/>
-                <a:ea typeface="+mn-ea"/>
-                <a:cs typeface="+mn-cs"/>
-              </a:defRPr>
-            </a:lvl9pPr>
-          </a:lstStyle>
-          <a:p>
-            <a:pPr marL="0" indent="0">
-              <a:buNone/>
-            </a:pPr>
-            <a:r>
-              <a:rPr lang="en-US" sz="2400" dirty="0">
+          <a:bodyPr/>
+          <a:lstStyle/>
+          <a:p>
+            <a:pPr algn="r"/>
+            <a:r>
+              <a:rPr lang="en-US" dirty="0">
                 <a:solidFill>
                   <a:schemeClr val="bg1"/>
                 </a:solidFill>
@@ -3809,7 +3737,7 @@
     </p:spTree>
     <p:extLst>
       <p:ext uri="{BB962C8B-B14F-4D97-AF65-F5344CB8AC3E}">
-        <p14:creationId xmlns:p14="http://schemas.microsoft.com/office/powerpoint/2010/main" val="769152929"/>
+        <p14:creationId xmlns:p14="http://schemas.microsoft.com/office/powerpoint/2010/main" val="4249992916"/>
       </p:ext>
     </p:extLst>
   </p:cSld>
@@ -3819,7 +3747,7 @@
 </p:sld>
 </file>
 
-<file path=ppt/slides/slide2.xml><?xml version="1.0" encoding="utf-8"?>
+<file path=ppt/slides/slide3.xml><?xml version="1.0" encoding="utf-8"?>
 <p:sld xmlns:a="http://schemas.openxmlformats.org/drawingml/2006/main" xmlns:r="http://schemas.openxmlformats.org/officeDocument/2006/relationships" xmlns:p="http://schemas.openxmlformats.org/presentationml/2006/main">
   <p:cSld>
     <p:spTree>
@@ -4154,7 +4082,7 @@
 </p:sld>
 </file>
 
-<file path=ppt/slides/slide3.xml><?xml version="1.0" encoding="utf-8"?>
+<file path=ppt/slides/slide4.xml><?xml version="1.0" encoding="utf-8"?>
 <p:sld xmlns:a="http://schemas.openxmlformats.org/drawingml/2006/main" xmlns:r="http://schemas.openxmlformats.org/officeDocument/2006/relationships" xmlns:p="http://schemas.openxmlformats.org/presentationml/2006/main">
   <p:cSld>
     <p:spTree>
@@ -4327,7 +4255,7 @@
 </p:sld>
 </file>
 
-<file path=ppt/slides/slide4.xml><?xml version="1.0" encoding="utf-8"?>
+<file path=ppt/slides/slide5.xml><?xml version="1.0" encoding="utf-8"?>
 <p:sld xmlns:a="http://schemas.openxmlformats.org/drawingml/2006/main" xmlns:r="http://schemas.openxmlformats.org/officeDocument/2006/relationships" xmlns:p="http://schemas.openxmlformats.org/presentationml/2006/main">
   <p:cSld>
     <p:bg>

--- a/Presentation_NJ.pptx
+++ b/Presentation_NJ.pptx
@@ -6,10 +6,9 @@
   </p:sldMasterIdLst>
   <p:sldIdLst>
     <p:sldId id="260" r:id="rId2"/>
-    <p:sldId id="256" r:id="rId3"/>
-    <p:sldId id="257" r:id="rId4"/>
-    <p:sldId id="258" r:id="rId5"/>
-    <p:sldId id="259" r:id="rId6"/>
+    <p:sldId id="257" r:id="rId3"/>
+    <p:sldId id="258" r:id="rId4"/>
+    <p:sldId id="259" r:id="rId5"/>
   </p:sldIdLst>
   <p:sldSz cx="12192000" cy="6858000"/>
   <p:notesSz cx="6858000" cy="9144000"/>
@@ -3373,36 +3372,6 @@
 <file path=ppt/slides/slide1.xml><?xml version="1.0" encoding="utf-8"?>
 <p:sld xmlns:a="http://schemas.openxmlformats.org/drawingml/2006/main" xmlns:r="http://schemas.openxmlformats.org/officeDocument/2006/relationships" xmlns:p="http://schemas.openxmlformats.org/presentationml/2006/main">
   <p:cSld>
-    <p:spTree>
-      <p:nvGrpSpPr>
-        <p:cNvPr id="1" name=""/>
-        <p:cNvGrpSpPr/>
-        <p:nvPr/>
-      </p:nvGrpSpPr>
-      <p:grpSpPr>
-        <a:xfrm>
-          <a:off x="0" y="0"/>
-          <a:ext cx="0" cy="0"/>
-          <a:chOff x="0" y="0"/>
-          <a:chExt cx="0" cy="0"/>
-        </a:xfrm>
-      </p:grpSpPr>
-    </p:spTree>
-    <p:extLst>
-      <p:ext uri="{BB962C8B-B14F-4D97-AF65-F5344CB8AC3E}">
-        <p14:creationId xmlns:p14="http://schemas.microsoft.com/office/powerpoint/2010/main" val="1606373107"/>
-      </p:ext>
-    </p:extLst>
-  </p:cSld>
-  <p:clrMapOvr>
-    <a:masterClrMapping/>
-  </p:clrMapOvr>
-</p:sld>
-</file>
-
-<file path=ppt/slides/slide2.xml><?xml version="1.0" encoding="utf-8"?>
-<p:sld xmlns:a="http://schemas.openxmlformats.org/drawingml/2006/main" xmlns:r="http://schemas.openxmlformats.org/officeDocument/2006/relationships" xmlns:p="http://schemas.openxmlformats.org/presentationml/2006/main">
-  <p:cSld>
     <p:bg>
       <p:bgPr>
         <a:solidFill>
@@ -3425,9 +3394,9 @@
           <a:chExt cx="0" cy="0"/>
         </a:xfrm>
       </p:grpSpPr>
-      <p:sp>
-        <p:nvSpPr>
-          <p:cNvPr id="15" name="Rectangle 14">
+      <p:sp useBgFill="1">
+        <p:nvSpPr>
+          <p:cNvPr id="16" name="Rectangle 9">
             <a:extLst>
               <a:ext uri="{FF2B5EF4-FFF2-40B4-BE49-F238E27FC236}">
                 <a16:creationId xmlns:a16="http://schemas.microsoft.com/office/drawing/2014/main" id="{19F9BF86-FE94-4517-B97D-026C7515E589}"/>
@@ -3456,15 +3425,25 @@
           <a:prstGeom prst="rect">
             <a:avLst/>
           </a:prstGeom>
-          <a:solidFill>
-            <a:srgbClr val="000000"/>
-          </a:solidFill>
           <a:ln w="12700" cap="flat" cmpd="sng" algn="ctr">
             <a:noFill/>
             <a:prstDash val="solid"/>
             <a:miter lim="800000"/>
           </a:ln>
           <a:effectLst/>
+          <a:extLst>
+            <a:ext uri="{91240B29-F687-4F45-9708-019B960494DF}">
+              <a14:hiddenLine xmlns:a14="http://schemas.microsoft.com/office/drawing/2010/main" w="12700" cap="flat" cmpd="sng" algn="ctr">
+                <a:solidFill>
+                  <a:schemeClr val="accent1">
+                    <a:shade val="50000"/>
+                  </a:schemeClr>
+                </a:solidFill>
+                <a:prstDash val="solid"/>
+                <a:miter lim="800000"/>
+              </a14:hiddenLine>
+            </a:ext>
+          </a:extLst>
         </p:spPr>
         <p:style>
           <a:lnRef idx="2">
@@ -3496,7 +3475,7 @@
           <p:cNvPr id="5" name="Picture 4" descr="A picture containing text, road, street, city&#10;&#10;Description automatically generated">
             <a:extLst>
               <a:ext uri="{FF2B5EF4-FFF2-40B4-BE49-F238E27FC236}">
-                <a16:creationId xmlns:a16="http://schemas.microsoft.com/office/drawing/2014/main" id="{354022D0-7C3E-44A3-9F93-978EC4A4FAD0}"/>
+                <a16:creationId xmlns:a16="http://schemas.microsoft.com/office/drawing/2014/main" id="{836F539A-A33F-46E7-B4E4-B4262D168D84}"/>
               </a:ext>
             </a:extLst>
           </p:cNvPr>
@@ -3507,32 +3486,31 @@
         </p:nvPicPr>
         <p:blipFill rotWithShape="1">
           <a:blip r:embed="rId2">
-            <a:alphaModFix/>
             <a:extLst>
               <a:ext uri="{28A0092B-C50C-407E-A947-70E740481C1C}">
                 <a14:useLocalDpi xmlns:a14="http://schemas.microsoft.com/office/drawing/2010/main" val="0"/>
               </a:ext>
             </a:extLst>
           </a:blip>
-          <a:srcRect b="15732"/>
+          <a:srcRect b="15730"/>
           <a:stretch/>
         </p:blipFill>
         <p:spPr>
           <a:xfrm>
-            <a:off x="20" y="10"/>
-            <a:ext cx="12191980" cy="6857990"/>
+            <a:off x="1" y="10"/>
+            <a:ext cx="12192000" cy="6857990"/>
           </a:xfrm>
           <a:prstGeom prst="rect">
             <a:avLst/>
           </a:prstGeom>
         </p:spPr>
       </p:pic>
-      <p:sp>
-        <p:nvSpPr>
-          <p:cNvPr id="17" name="Rectangle 16">
-            <a:extLst>
-              <a:ext uri="{FF2B5EF4-FFF2-40B4-BE49-F238E27FC236}">
-                <a16:creationId xmlns:a16="http://schemas.microsoft.com/office/drawing/2014/main" id="{F8B2ECD5-47B1-47AD-AC9D-045064631A65}"/>
+      <p:sp useBgFill="1">
+        <p:nvSpPr>
+          <p:cNvPr id="17" name="Rectangle 11">
+            <a:extLst>
+              <a:ext uri="{FF2B5EF4-FFF2-40B4-BE49-F238E27FC236}">
+                <a16:creationId xmlns:a16="http://schemas.microsoft.com/office/drawing/2014/main" id="{36136311-C81B-47C5-AE0A-5641A5A59520}"/>
               </a:ext>
               <a:ext uri="{C183D7F6-B498-43B3-948B-1728B52AA6E4}">
                 <adec:decorative xmlns:adec="http://schemas.microsoft.com/office/drawing/2017/decorative" val="1"/>
@@ -3551,37 +3529,32 @@
           </p:nvPr>
         </p:nvSpPr>
         <p:spPr>
-          <a:xfrm rot="10800000">
-            <a:off x="3648484" y="0"/>
-            <a:ext cx="8543515" cy="6858000"/>
+          <a:xfrm>
+            <a:off x="6493225" y="1066800"/>
+            <a:ext cx="4708175" cy="4724400"/>
           </a:xfrm>
           <a:prstGeom prst="rect">
             <a:avLst/>
           </a:prstGeom>
-          <a:gradFill flip="none" rotWithShape="1">
-            <a:gsLst>
-              <a:gs pos="0">
-                <a:srgbClr val="000000">
-                  <a:alpha val="0"/>
-                </a:srgbClr>
-              </a:gs>
-              <a:gs pos="58000">
-                <a:srgbClr val="000000">
-                  <a:alpha val="55000"/>
-                </a:srgbClr>
-              </a:gs>
-              <a:gs pos="93000">
-                <a:srgbClr val="000000">
-                  <a:alpha val="64000"/>
-                </a:srgbClr>
-              </a:gs>
-            </a:gsLst>
-            <a:lin ang="10800000" scaled="1"/>
-            <a:tileRect/>
-          </a:gradFill>
-          <a:ln>
+          <a:ln w="12700" cap="flat" cmpd="sng" algn="ctr">
             <a:noFill/>
+            <a:prstDash val="solid"/>
+            <a:miter lim="800000"/>
           </a:ln>
+          <a:effectLst/>
+          <a:extLst>
+            <a:ext uri="{91240B29-F687-4F45-9708-019B960494DF}">
+              <a14:hiddenLine xmlns:a14="http://schemas.microsoft.com/office/drawing/2010/main" w="12700" cap="flat" cmpd="sng" algn="ctr">
+                <a:solidFill>
+                  <a:schemeClr val="accent1">
+                    <a:shade val="50000"/>
+                  </a:schemeClr>
+                </a:solidFill>
+                <a:prstDash val="solid"/>
+                <a:miter lim="800000"/>
+              </a14:hiddenLine>
+            </a:ext>
+          </a:extLst>
         </p:spPr>
         <p:style>
           <a:lnRef idx="2">
@@ -3613,7 +3586,7 @@
           <p:cNvPr id="2" name="Title 1">
             <a:extLst>
               <a:ext uri="{FF2B5EF4-FFF2-40B4-BE49-F238E27FC236}">
-                <a16:creationId xmlns:a16="http://schemas.microsoft.com/office/drawing/2014/main" id="{DDA95AF5-D8AA-476D-B970-44A8FDDEF57C}"/>
+                <a16:creationId xmlns:a16="http://schemas.microsoft.com/office/drawing/2014/main" id="{356DEE48-F19C-418C-886A-4C59DDD82638}"/>
               </a:ext>
             </a:extLst>
           </p:cNvPr>
@@ -3626,8 +3599,8 @@
         </p:nvSpPr>
         <p:spPr>
           <a:xfrm>
-            <a:off x="5889072" y="1371600"/>
-            <a:ext cx="5428203" cy="2933952"/>
+            <a:off x="7046729" y="1562101"/>
+            <a:ext cx="3551402" cy="2738530"/>
           </a:xfrm>
         </p:spPr>
         <p:txBody>
@@ -3636,24 +3609,61 @@
           </a:bodyPr>
           <a:lstStyle/>
           <a:p>
-            <a:pPr algn="r"/>
-            <a:r>
-              <a:rPr lang="en-US" dirty="0">
-                <a:solidFill>
-                  <a:srgbClr val="FFFFFF"/>
-                </a:solidFill>
-              </a:rPr>
-              <a:t>Yellow Taxicab Driver Stress Level</a:t>
+            <a:r>
+              <a:rPr lang="en-US" dirty="0"/>
+              <a:t>Yellow Taxicab</a:t>
+            </a:r>
+            <a:br>
+              <a:rPr lang="en-US" dirty="0"/>
+            </a:br>
+            <a:r>
+              <a:rPr lang="en-US" dirty="0"/>
+              <a:t>Driver Stress</a:t>
+            </a:r>
+          </a:p>
+        </p:txBody>
+      </p:sp>
+      <p:sp>
+        <p:nvSpPr>
+          <p:cNvPr id="3" name="Subtitle 2">
+            <a:extLst>
+              <a:ext uri="{FF2B5EF4-FFF2-40B4-BE49-F238E27FC236}">
+                <a16:creationId xmlns:a16="http://schemas.microsoft.com/office/drawing/2014/main" id="{ADC6C4BF-DD10-47BE-BDA9-3F5F1FF70D5F}"/>
+              </a:ext>
+            </a:extLst>
+          </p:cNvPr>
+          <p:cNvSpPr>
+            <a:spLocks noGrp="1"/>
+          </p:cNvSpPr>
+          <p:nvPr>
+            <p:ph type="subTitle" idx="1"/>
+          </p:nvPr>
+        </p:nvSpPr>
+        <p:spPr>
+          <a:xfrm>
+            <a:off x="7123950" y="3080273"/>
+            <a:ext cx="3579790" cy="875824"/>
+          </a:xfrm>
+        </p:spPr>
+        <p:txBody>
+          <a:bodyPr>
+            <a:normAutofit/>
+          </a:bodyPr>
+          <a:lstStyle/>
+          <a:p>
+            <a:r>
+              <a:rPr lang="en-US" dirty="0"/>
+              <a:t>Potential for partial automation</a:t>
             </a:r>
           </a:p>
         </p:txBody>
       </p:sp>
       <p:cxnSp>
         <p:nvCxnSpPr>
-          <p:cNvPr id="19" name="Straight Connector 18">
-            <a:extLst>
-              <a:ext uri="{FF2B5EF4-FFF2-40B4-BE49-F238E27FC236}">
-                <a16:creationId xmlns:a16="http://schemas.microsoft.com/office/drawing/2014/main" id="{F0CE0765-E93C-4D37-9D5F-D464EFB10FA7}"/>
+          <p:cNvPr id="18" name="Straight Connector 13">
+            <a:extLst>
+              <a:ext uri="{FF2B5EF4-FFF2-40B4-BE49-F238E27FC236}">
+                <a16:creationId xmlns:a16="http://schemas.microsoft.com/office/drawing/2014/main" id="{7CC73A33-65FF-41A9-A3B0-006753CD1028}"/>
               </a:ext>
               <a:ext uri="{C183D7F6-B498-43B3-948B-1728B52AA6E4}">
                 <adec:decorative xmlns:adec="http://schemas.microsoft.com/office/drawing/2017/decorative" val="1"/>
@@ -3672,9 +3682,9 @@
           </p:nvPr>
         </p:nvCxnSpPr>
         <p:spPr>
-          <a:xfrm>
-            <a:off x="10222043" y="1031001"/>
-            <a:ext cx="978862" cy="0"/>
+          <a:xfrm rot="16200000">
+            <a:off x="8844675" y="3418676"/>
+            <a:ext cx="0" cy="4724400"/>
           </a:xfrm>
           <a:prstGeom prst="line">
             <a:avLst/>
@@ -3696,48 +3706,345 @@
           </a:fontRef>
         </p:style>
       </p:cxnSp>
-      <p:sp>
-        <p:nvSpPr>
-          <p:cNvPr id="7" name="Subtitle 6">
-            <a:extLst>
-              <a:ext uri="{FF2B5EF4-FFF2-40B4-BE49-F238E27FC236}">
-                <a16:creationId xmlns:a16="http://schemas.microsoft.com/office/drawing/2014/main" id="{41C91661-0BF8-4DD4-B66C-FB2A5EADAB76}"/>
-              </a:ext>
-            </a:extLst>
-          </p:cNvPr>
-          <p:cNvSpPr>
-            <a:spLocks noGrp="1"/>
-          </p:cNvSpPr>
-          <p:nvPr>
-            <p:ph type="subTitle" idx="1"/>
-          </p:nvPr>
-        </p:nvSpPr>
-        <p:spPr>
-          <a:xfrm>
-            <a:off x="5381735" y="2838576"/>
-            <a:ext cx="5935540" cy="453478"/>
-          </a:xfrm>
-        </p:spPr>
-        <p:txBody>
-          <a:bodyPr/>
-          <a:lstStyle/>
-          <a:p>
-            <a:pPr algn="r"/>
-            <a:r>
-              <a:rPr lang="en-US" dirty="0">
-                <a:solidFill>
-                  <a:schemeClr val="bg1"/>
-                </a:solidFill>
-              </a:rPr>
-              <a:t>Potential for partial automation</a:t>
-            </a:r>
-          </a:p>
-        </p:txBody>
-      </p:sp>
     </p:spTree>
     <p:extLst>
       <p:ext uri="{BB962C8B-B14F-4D97-AF65-F5344CB8AC3E}">
-        <p14:creationId xmlns:p14="http://schemas.microsoft.com/office/powerpoint/2010/main" val="4249992916"/>
+        <p14:creationId xmlns:p14="http://schemas.microsoft.com/office/powerpoint/2010/main" val="1640224766"/>
+      </p:ext>
+    </p:extLst>
+  </p:cSld>
+  <p:clrMapOvr>
+    <a:masterClrMapping/>
+  </p:clrMapOvr>
+</p:sld>
+</file>
+
+<file path=ppt/slides/slide2.xml><?xml version="1.0" encoding="utf-8"?>
+<p:sld xmlns:a="http://schemas.openxmlformats.org/drawingml/2006/main" xmlns:r="http://schemas.openxmlformats.org/officeDocument/2006/relationships" xmlns:p="http://schemas.openxmlformats.org/presentationml/2006/main">
+  <p:cSld>
+    <p:spTree>
+      <p:nvGrpSpPr>
+        <p:cNvPr id="1" name=""/>
+        <p:cNvGrpSpPr/>
+        <p:nvPr/>
+      </p:nvGrpSpPr>
+      <p:grpSpPr>
+        <a:xfrm>
+          <a:off x="0" y="0"/>
+          <a:ext cx="0" cy="0"/>
+          <a:chOff x="0" y="0"/>
+          <a:chExt cx="0" cy="0"/>
+        </a:xfrm>
+      </p:grpSpPr>
+      <p:pic>
+        <p:nvPicPr>
+          <p:cNvPr id="29" name="Content Placeholder 28" descr="Chart, histogram&#10;&#10;Description automatically generated">
+            <a:extLst>
+              <a:ext uri="{FF2B5EF4-FFF2-40B4-BE49-F238E27FC236}">
+                <a16:creationId xmlns:a16="http://schemas.microsoft.com/office/drawing/2014/main" id="{8AF3057A-2427-42F0-9596-7D9D5C931BDA}"/>
+              </a:ext>
+            </a:extLst>
+          </p:cNvPr>
+          <p:cNvPicPr>
+            <a:picLocks noGrp="1" noChangeAspect="1"/>
+          </p:cNvPicPr>
+          <p:nvPr>
+            <p:ph idx="1"/>
+          </p:nvPr>
+        </p:nvPicPr>
+        <p:blipFill>
+          <a:blip r:embed="rId2">
+            <a:extLst>
+              <a:ext uri="{28A0092B-C50C-407E-A947-70E740481C1C}">
+                <a14:useLocalDpi xmlns:a14="http://schemas.microsoft.com/office/drawing/2010/main" val="0"/>
+              </a:ext>
+            </a:extLst>
+          </a:blip>
+          <a:stretch>
+            <a:fillRect/>
+          </a:stretch>
+        </p:blipFill>
+        <p:spPr>
+          <a:xfrm>
+            <a:off x="1585519" y="2340529"/>
+            <a:ext cx="4403341" cy="1703328"/>
+          </a:xfrm>
+        </p:spPr>
+      </p:pic>
+      <p:pic>
+        <p:nvPicPr>
+          <p:cNvPr id="21" name="Picture 20" descr="Chart, bar chart&#10;&#10;Description automatically generated">
+            <a:extLst>
+              <a:ext uri="{FF2B5EF4-FFF2-40B4-BE49-F238E27FC236}">
+                <a16:creationId xmlns:a16="http://schemas.microsoft.com/office/drawing/2014/main" id="{0C2F2516-AC51-41F2-BDD9-FB92F2133012}"/>
+              </a:ext>
+            </a:extLst>
+          </p:cNvPr>
+          <p:cNvPicPr>
+            <a:picLocks noChangeAspect="1"/>
+          </p:cNvPicPr>
+          <p:nvPr/>
+        </p:nvPicPr>
+        <p:blipFill>
+          <a:blip r:embed="rId3">
+            <a:extLst>
+              <a:ext uri="{28A0092B-C50C-407E-A947-70E740481C1C}">
+                <a14:useLocalDpi xmlns:a14="http://schemas.microsoft.com/office/drawing/2010/main" val="0"/>
+              </a:ext>
+            </a:extLst>
+          </a:blip>
+          <a:stretch>
+            <a:fillRect/>
+          </a:stretch>
+        </p:blipFill>
+        <p:spPr>
+          <a:xfrm>
+            <a:off x="6753137" y="4129285"/>
+            <a:ext cx="4841426" cy="1874838"/>
+          </a:xfrm>
+          <a:prstGeom prst="rect">
+            <a:avLst/>
+          </a:prstGeom>
+        </p:spPr>
+      </p:pic>
+      <p:sp>
+        <p:nvSpPr>
+          <p:cNvPr id="2" name="Title 1">
+            <a:extLst>
+              <a:ext uri="{FF2B5EF4-FFF2-40B4-BE49-F238E27FC236}">
+                <a16:creationId xmlns:a16="http://schemas.microsoft.com/office/drawing/2014/main" id="{D252B67D-43B4-42E7-ADBA-B15AD82AC601}"/>
+              </a:ext>
+            </a:extLst>
+          </p:cNvPr>
+          <p:cNvSpPr>
+            <a:spLocks noGrp="1"/>
+          </p:cNvSpPr>
+          <p:nvPr>
+            <p:ph type="title"/>
+          </p:nvPr>
+        </p:nvSpPr>
+        <p:spPr>
+          <a:xfrm>
+            <a:off x="914400" y="1161877"/>
+            <a:ext cx="10192624" cy="1178652"/>
+          </a:xfrm>
+        </p:spPr>
+        <p:txBody>
+          <a:bodyPr>
+            <a:normAutofit fontScale="90000"/>
+          </a:bodyPr>
+          <a:lstStyle/>
+          <a:p>
+            <a:r>
+              <a:rPr lang="en-US" dirty="0"/>
+              <a:t>Drivers’ pay = fair amount + tip amount</a:t>
+            </a:r>
+            <a:br>
+              <a:rPr lang="en-US" dirty="0"/>
+            </a:br>
+            <a:r>
+              <a:rPr lang="en-US" dirty="0"/>
+              <a:t>trip distance, trip time: normalized</a:t>
+            </a:r>
+            <a:br>
+              <a:rPr lang="en-US" dirty="0"/>
+            </a:br>
+            <a:endParaRPr lang="en-US" dirty="0"/>
+          </a:p>
+        </p:txBody>
+      </p:sp>
+      <p:sp>
+        <p:nvSpPr>
+          <p:cNvPr id="4" name="TextBox 3">
+            <a:extLst>
+              <a:ext uri="{FF2B5EF4-FFF2-40B4-BE49-F238E27FC236}">
+                <a16:creationId xmlns:a16="http://schemas.microsoft.com/office/drawing/2014/main" id="{B29B344B-80B0-4F84-AFCA-B84DB7909E20}"/>
+              </a:ext>
+            </a:extLst>
+          </p:cNvPr>
+          <p:cNvSpPr txBox="1"/>
+          <p:nvPr/>
+        </p:nvSpPr>
+        <p:spPr>
+          <a:xfrm>
+            <a:off x="1585519" y="6358855"/>
+            <a:ext cx="9521505" cy="369332"/>
+          </a:xfrm>
+          <a:prstGeom prst="rect">
+            <a:avLst/>
+          </a:prstGeom>
+          <a:noFill/>
+        </p:spPr>
+        <p:txBody>
+          <a:bodyPr wrap="square" rtlCol="0">
+            <a:spAutoFit/>
+          </a:bodyPr>
+          <a:lstStyle/>
+          <a:p>
+            <a:r>
+              <a:rPr lang="en-US" dirty="0"/>
+              <a:t>Assumption: Less predictability in drivers’ pay means high driver stress</a:t>
+            </a:r>
+          </a:p>
+        </p:txBody>
+      </p:sp>
+      <p:cxnSp>
+        <p:nvCxnSpPr>
+          <p:cNvPr id="12" name="Straight Arrow Connector 11">
+            <a:extLst>
+              <a:ext uri="{FF2B5EF4-FFF2-40B4-BE49-F238E27FC236}">
+                <a16:creationId xmlns:a16="http://schemas.microsoft.com/office/drawing/2014/main" id="{2820F82B-A40C-4C77-BD13-4D96ABA4D58E}"/>
+              </a:ext>
+            </a:extLst>
+          </p:cNvPr>
+          <p:cNvCxnSpPr>
+            <a:cxnSpLocks/>
+          </p:cNvCxnSpPr>
+          <p:nvPr/>
+        </p:nvCxnSpPr>
+        <p:spPr>
+          <a:xfrm flipH="1">
+            <a:off x="4370664" y="2759978"/>
+            <a:ext cx="3347209" cy="499053"/>
+          </a:xfrm>
+          <a:prstGeom prst="straightConnector1">
+            <a:avLst/>
+          </a:prstGeom>
+          <a:ln>
+            <a:tailEnd type="triangle"/>
+          </a:ln>
+        </p:spPr>
+        <p:style>
+          <a:lnRef idx="1">
+            <a:schemeClr val="accent1"/>
+          </a:lnRef>
+          <a:fillRef idx="0">
+            <a:schemeClr val="accent1"/>
+          </a:fillRef>
+          <a:effectRef idx="0">
+            <a:schemeClr val="accent1"/>
+          </a:effectRef>
+          <a:fontRef idx="minor">
+            <a:schemeClr val="tx1"/>
+          </a:fontRef>
+        </p:style>
+      </p:cxnSp>
+      <p:cxnSp>
+        <p:nvCxnSpPr>
+          <p:cNvPr id="14" name="Straight Arrow Connector 13">
+            <a:extLst>
+              <a:ext uri="{FF2B5EF4-FFF2-40B4-BE49-F238E27FC236}">
+                <a16:creationId xmlns:a16="http://schemas.microsoft.com/office/drawing/2014/main" id="{108D7FB7-423E-462D-8E4C-9D5770EF03F8}"/>
+              </a:ext>
+            </a:extLst>
+          </p:cNvPr>
+          <p:cNvCxnSpPr>
+            <a:cxnSpLocks/>
+          </p:cNvCxnSpPr>
+          <p:nvPr/>
+        </p:nvCxnSpPr>
+        <p:spPr>
+          <a:xfrm>
+            <a:off x="9395670" y="3011648"/>
+            <a:ext cx="117446" cy="2181137"/>
+          </a:xfrm>
+          <a:prstGeom prst="straightConnector1">
+            <a:avLst/>
+          </a:prstGeom>
+          <a:ln>
+            <a:tailEnd type="triangle"/>
+          </a:ln>
+        </p:spPr>
+        <p:style>
+          <a:lnRef idx="1">
+            <a:schemeClr val="accent1"/>
+          </a:lnRef>
+          <a:fillRef idx="0">
+            <a:schemeClr val="accent1"/>
+          </a:fillRef>
+          <a:effectRef idx="0">
+            <a:schemeClr val="accent1"/>
+          </a:effectRef>
+          <a:fontRef idx="minor">
+            <a:schemeClr val="tx1"/>
+          </a:fontRef>
+        </p:style>
+      </p:cxnSp>
+      <p:sp>
+        <p:nvSpPr>
+          <p:cNvPr id="15" name="TextBox 14">
+            <a:extLst>
+              <a:ext uri="{FF2B5EF4-FFF2-40B4-BE49-F238E27FC236}">
+                <a16:creationId xmlns:a16="http://schemas.microsoft.com/office/drawing/2014/main" id="{6943BBEE-A68A-4E9E-BDAB-F4720E75B048}"/>
+              </a:ext>
+            </a:extLst>
+          </p:cNvPr>
+          <p:cNvSpPr txBox="1"/>
+          <p:nvPr/>
+        </p:nvSpPr>
+        <p:spPr>
+          <a:xfrm>
+            <a:off x="7717872" y="2554341"/>
+            <a:ext cx="3559728" cy="369332"/>
+          </a:xfrm>
+          <a:prstGeom prst="rect">
+            <a:avLst/>
+          </a:prstGeom>
+          <a:noFill/>
+        </p:spPr>
+        <p:txBody>
+          <a:bodyPr wrap="square" rtlCol="0">
+            <a:spAutoFit/>
+          </a:bodyPr>
+          <a:lstStyle/>
+          <a:p>
+            <a:r>
+              <a:rPr lang="en-US" dirty="0"/>
+              <a:t>Pay can be very low or very high</a:t>
+            </a:r>
+          </a:p>
+        </p:txBody>
+      </p:sp>
+      <p:pic>
+        <p:nvPicPr>
+          <p:cNvPr id="19" name="Picture 18" descr="Chart&#10;&#10;Description automatically generated">
+            <a:extLst>
+              <a:ext uri="{FF2B5EF4-FFF2-40B4-BE49-F238E27FC236}">
+                <a16:creationId xmlns:a16="http://schemas.microsoft.com/office/drawing/2014/main" id="{219F6DDB-5BF8-4848-AD7E-677B4770246D}"/>
+              </a:ext>
+            </a:extLst>
+          </p:cNvPr>
+          <p:cNvPicPr>
+            <a:picLocks noChangeAspect="1"/>
+          </p:cNvPicPr>
+          <p:nvPr/>
+        </p:nvPicPr>
+        <p:blipFill>
+          <a:blip r:embed="rId4">
+            <a:extLst>
+              <a:ext uri="{28A0092B-C50C-407E-A947-70E740481C1C}">
+                <a14:useLocalDpi xmlns:a14="http://schemas.microsoft.com/office/drawing/2010/main" val="0"/>
+              </a:ext>
+            </a:extLst>
+          </a:blip>
+          <a:stretch>
+            <a:fillRect/>
+          </a:stretch>
+        </p:blipFill>
+        <p:spPr>
+          <a:xfrm>
+            <a:off x="2869036" y="4388328"/>
+            <a:ext cx="2069338" cy="1576515"/>
+          </a:xfrm>
+          <a:prstGeom prst="rect">
+            <a:avLst/>
+          </a:prstGeom>
+        </p:spPr>
+      </p:pic>
+    </p:spTree>
+    <p:extLst>
+      <p:ext uri="{BB962C8B-B14F-4D97-AF65-F5344CB8AC3E}">
+        <p14:creationId xmlns:p14="http://schemas.microsoft.com/office/powerpoint/2010/main" val="694525968"/>
       </p:ext>
     </p:extLst>
   </p:cSld>
@@ -3764,341 +4071,6 @@
           <a:chExt cx="0" cy="0"/>
         </a:xfrm>
       </p:grpSpPr>
-      <p:pic>
-        <p:nvPicPr>
-          <p:cNvPr id="29" name="Content Placeholder 28" descr="Chart, histogram&#10;&#10;Description automatically generated">
-            <a:extLst>
-              <a:ext uri="{FF2B5EF4-FFF2-40B4-BE49-F238E27FC236}">
-                <a16:creationId xmlns:a16="http://schemas.microsoft.com/office/drawing/2014/main" id="{8AF3057A-2427-42F0-9596-7D9D5C931BDA}"/>
-              </a:ext>
-            </a:extLst>
-          </p:cNvPr>
-          <p:cNvPicPr>
-            <a:picLocks noGrp="1" noChangeAspect="1"/>
-          </p:cNvPicPr>
-          <p:nvPr>
-            <p:ph idx="1"/>
-          </p:nvPr>
-        </p:nvPicPr>
-        <p:blipFill>
-          <a:blip r:embed="rId2">
-            <a:extLst>
-              <a:ext uri="{28A0092B-C50C-407E-A947-70E740481C1C}">
-                <a14:useLocalDpi xmlns:a14="http://schemas.microsoft.com/office/drawing/2010/main" val="0"/>
-              </a:ext>
-            </a:extLst>
-          </a:blip>
-          <a:stretch>
-            <a:fillRect/>
-          </a:stretch>
-        </p:blipFill>
-        <p:spPr>
-          <a:xfrm>
-            <a:off x="1585519" y="2340529"/>
-            <a:ext cx="4403341" cy="1703328"/>
-          </a:xfrm>
-        </p:spPr>
-      </p:pic>
-      <p:pic>
-        <p:nvPicPr>
-          <p:cNvPr id="21" name="Picture 20" descr="Chart, bar chart&#10;&#10;Description automatically generated">
-            <a:extLst>
-              <a:ext uri="{FF2B5EF4-FFF2-40B4-BE49-F238E27FC236}">
-                <a16:creationId xmlns:a16="http://schemas.microsoft.com/office/drawing/2014/main" id="{0C2F2516-AC51-41F2-BDD9-FB92F2133012}"/>
-              </a:ext>
-            </a:extLst>
-          </p:cNvPr>
-          <p:cNvPicPr>
-            <a:picLocks noChangeAspect="1"/>
-          </p:cNvPicPr>
-          <p:nvPr/>
-        </p:nvPicPr>
-        <p:blipFill>
-          <a:blip r:embed="rId3">
-            <a:extLst>
-              <a:ext uri="{28A0092B-C50C-407E-A947-70E740481C1C}">
-                <a14:useLocalDpi xmlns:a14="http://schemas.microsoft.com/office/drawing/2010/main" val="0"/>
-              </a:ext>
-            </a:extLst>
-          </a:blip>
-          <a:stretch>
-            <a:fillRect/>
-          </a:stretch>
-        </p:blipFill>
-        <p:spPr>
-          <a:xfrm>
-            <a:off x="6753137" y="4129285"/>
-            <a:ext cx="4841426" cy="1874838"/>
-          </a:xfrm>
-          <a:prstGeom prst="rect">
-            <a:avLst/>
-          </a:prstGeom>
-        </p:spPr>
-      </p:pic>
-      <p:sp>
-        <p:nvSpPr>
-          <p:cNvPr id="2" name="Title 1">
-            <a:extLst>
-              <a:ext uri="{FF2B5EF4-FFF2-40B4-BE49-F238E27FC236}">
-                <a16:creationId xmlns:a16="http://schemas.microsoft.com/office/drawing/2014/main" id="{D252B67D-43B4-42E7-ADBA-B15AD82AC601}"/>
-              </a:ext>
-            </a:extLst>
-          </p:cNvPr>
-          <p:cNvSpPr>
-            <a:spLocks noGrp="1"/>
-          </p:cNvSpPr>
-          <p:nvPr>
-            <p:ph type="title"/>
-          </p:nvPr>
-        </p:nvSpPr>
-        <p:spPr>
-          <a:xfrm>
-            <a:off x="914400" y="1161877"/>
-            <a:ext cx="10192624" cy="1178652"/>
-          </a:xfrm>
-        </p:spPr>
-        <p:txBody>
-          <a:bodyPr>
-            <a:normAutofit fontScale="90000"/>
-          </a:bodyPr>
-          <a:lstStyle/>
-          <a:p>
-            <a:r>
-              <a:rPr lang="en-US" dirty="0"/>
-              <a:t>Drivers’ pay = fair amount + tip amount</a:t>
-            </a:r>
-            <a:br>
-              <a:rPr lang="en-US" dirty="0"/>
-            </a:br>
-            <a:r>
-              <a:rPr lang="en-US" dirty="0"/>
-              <a:t>trip distance, trip time: normalized</a:t>
-            </a:r>
-            <a:br>
-              <a:rPr lang="en-US" dirty="0"/>
-            </a:br>
-            <a:endParaRPr lang="en-US" dirty="0"/>
-          </a:p>
-        </p:txBody>
-      </p:sp>
-      <p:sp>
-        <p:nvSpPr>
-          <p:cNvPr id="4" name="TextBox 3">
-            <a:extLst>
-              <a:ext uri="{FF2B5EF4-FFF2-40B4-BE49-F238E27FC236}">
-                <a16:creationId xmlns:a16="http://schemas.microsoft.com/office/drawing/2014/main" id="{B29B344B-80B0-4F84-AFCA-B84DB7909E20}"/>
-              </a:ext>
-            </a:extLst>
-          </p:cNvPr>
-          <p:cNvSpPr txBox="1"/>
-          <p:nvPr/>
-        </p:nvSpPr>
-        <p:spPr>
-          <a:xfrm>
-            <a:off x="1585519" y="6358855"/>
-            <a:ext cx="9521505" cy="369332"/>
-          </a:xfrm>
-          <a:prstGeom prst="rect">
-            <a:avLst/>
-          </a:prstGeom>
-          <a:noFill/>
-        </p:spPr>
-        <p:txBody>
-          <a:bodyPr wrap="square" rtlCol="0">
-            <a:spAutoFit/>
-          </a:bodyPr>
-          <a:lstStyle/>
-          <a:p>
-            <a:r>
-              <a:rPr lang="en-US" dirty="0"/>
-              <a:t>Assumption: Less predictability in drivers’ pay means high driver stress</a:t>
-            </a:r>
-          </a:p>
-        </p:txBody>
-      </p:sp>
-      <p:cxnSp>
-        <p:nvCxnSpPr>
-          <p:cNvPr id="12" name="Straight Arrow Connector 11">
-            <a:extLst>
-              <a:ext uri="{FF2B5EF4-FFF2-40B4-BE49-F238E27FC236}">
-                <a16:creationId xmlns:a16="http://schemas.microsoft.com/office/drawing/2014/main" id="{2820F82B-A40C-4C77-BD13-4D96ABA4D58E}"/>
-              </a:ext>
-            </a:extLst>
-          </p:cNvPr>
-          <p:cNvCxnSpPr>
-            <a:cxnSpLocks/>
-          </p:cNvCxnSpPr>
-          <p:nvPr/>
-        </p:nvCxnSpPr>
-        <p:spPr>
-          <a:xfrm flipH="1">
-            <a:off x="4370664" y="2759978"/>
-            <a:ext cx="3347209" cy="499053"/>
-          </a:xfrm>
-          <a:prstGeom prst="straightConnector1">
-            <a:avLst/>
-          </a:prstGeom>
-          <a:ln>
-            <a:tailEnd type="triangle"/>
-          </a:ln>
-        </p:spPr>
-        <p:style>
-          <a:lnRef idx="1">
-            <a:schemeClr val="accent1"/>
-          </a:lnRef>
-          <a:fillRef idx="0">
-            <a:schemeClr val="accent1"/>
-          </a:fillRef>
-          <a:effectRef idx="0">
-            <a:schemeClr val="accent1"/>
-          </a:effectRef>
-          <a:fontRef idx="minor">
-            <a:schemeClr val="tx1"/>
-          </a:fontRef>
-        </p:style>
-      </p:cxnSp>
-      <p:cxnSp>
-        <p:nvCxnSpPr>
-          <p:cNvPr id="14" name="Straight Arrow Connector 13">
-            <a:extLst>
-              <a:ext uri="{FF2B5EF4-FFF2-40B4-BE49-F238E27FC236}">
-                <a16:creationId xmlns:a16="http://schemas.microsoft.com/office/drawing/2014/main" id="{108D7FB7-423E-462D-8E4C-9D5770EF03F8}"/>
-              </a:ext>
-            </a:extLst>
-          </p:cNvPr>
-          <p:cNvCxnSpPr>
-            <a:cxnSpLocks/>
-          </p:cNvCxnSpPr>
-          <p:nvPr/>
-        </p:nvCxnSpPr>
-        <p:spPr>
-          <a:xfrm>
-            <a:off x="9395670" y="3011648"/>
-            <a:ext cx="117446" cy="2181137"/>
-          </a:xfrm>
-          <a:prstGeom prst="straightConnector1">
-            <a:avLst/>
-          </a:prstGeom>
-          <a:ln>
-            <a:tailEnd type="triangle"/>
-          </a:ln>
-        </p:spPr>
-        <p:style>
-          <a:lnRef idx="1">
-            <a:schemeClr val="accent1"/>
-          </a:lnRef>
-          <a:fillRef idx="0">
-            <a:schemeClr val="accent1"/>
-          </a:fillRef>
-          <a:effectRef idx="0">
-            <a:schemeClr val="accent1"/>
-          </a:effectRef>
-          <a:fontRef idx="minor">
-            <a:schemeClr val="tx1"/>
-          </a:fontRef>
-        </p:style>
-      </p:cxnSp>
-      <p:sp>
-        <p:nvSpPr>
-          <p:cNvPr id="15" name="TextBox 14">
-            <a:extLst>
-              <a:ext uri="{FF2B5EF4-FFF2-40B4-BE49-F238E27FC236}">
-                <a16:creationId xmlns:a16="http://schemas.microsoft.com/office/drawing/2014/main" id="{6943BBEE-A68A-4E9E-BDAB-F4720E75B048}"/>
-              </a:ext>
-            </a:extLst>
-          </p:cNvPr>
-          <p:cNvSpPr txBox="1"/>
-          <p:nvPr/>
-        </p:nvSpPr>
-        <p:spPr>
-          <a:xfrm>
-            <a:off x="7717872" y="2554341"/>
-            <a:ext cx="3559728" cy="369332"/>
-          </a:xfrm>
-          <a:prstGeom prst="rect">
-            <a:avLst/>
-          </a:prstGeom>
-          <a:noFill/>
-        </p:spPr>
-        <p:txBody>
-          <a:bodyPr wrap="square" rtlCol="0">
-            <a:spAutoFit/>
-          </a:bodyPr>
-          <a:lstStyle/>
-          <a:p>
-            <a:r>
-              <a:rPr lang="en-US" dirty="0"/>
-              <a:t>Pay can be very low or very high</a:t>
-            </a:r>
-          </a:p>
-        </p:txBody>
-      </p:sp>
-      <p:pic>
-        <p:nvPicPr>
-          <p:cNvPr id="19" name="Picture 18" descr="Chart&#10;&#10;Description automatically generated">
-            <a:extLst>
-              <a:ext uri="{FF2B5EF4-FFF2-40B4-BE49-F238E27FC236}">
-                <a16:creationId xmlns:a16="http://schemas.microsoft.com/office/drawing/2014/main" id="{219F6DDB-5BF8-4848-AD7E-677B4770246D}"/>
-              </a:ext>
-            </a:extLst>
-          </p:cNvPr>
-          <p:cNvPicPr>
-            <a:picLocks noChangeAspect="1"/>
-          </p:cNvPicPr>
-          <p:nvPr/>
-        </p:nvPicPr>
-        <p:blipFill>
-          <a:blip r:embed="rId4">
-            <a:extLst>
-              <a:ext uri="{28A0092B-C50C-407E-A947-70E740481C1C}">
-                <a14:useLocalDpi xmlns:a14="http://schemas.microsoft.com/office/drawing/2010/main" val="0"/>
-              </a:ext>
-            </a:extLst>
-          </a:blip>
-          <a:stretch>
-            <a:fillRect/>
-          </a:stretch>
-        </p:blipFill>
-        <p:spPr>
-          <a:xfrm>
-            <a:off x="2869036" y="4388328"/>
-            <a:ext cx="2069338" cy="1576515"/>
-          </a:xfrm>
-          <a:prstGeom prst="rect">
-            <a:avLst/>
-          </a:prstGeom>
-        </p:spPr>
-      </p:pic>
-    </p:spTree>
-    <p:extLst>
-      <p:ext uri="{BB962C8B-B14F-4D97-AF65-F5344CB8AC3E}">
-        <p14:creationId xmlns:p14="http://schemas.microsoft.com/office/powerpoint/2010/main" val="694525968"/>
-      </p:ext>
-    </p:extLst>
-  </p:cSld>
-  <p:clrMapOvr>
-    <a:masterClrMapping/>
-  </p:clrMapOvr>
-</p:sld>
-</file>
-
-<file path=ppt/slides/slide4.xml><?xml version="1.0" encoding="utf-8"?>
-<p:sld xmlns:a="http://schemas.openxmlformats.org/drawingml/2006/main" xmlns:r="http://schemas.openxmlformats.org/officeDocument/2006/relationships" xmlns:p="http://schemas.openxmlformats.org/presentationml/2006/main">
-  <p:cSld>
-    <p:spTree>
-      <p:nvGrpSpPr>
-        <p:cNvPr id="1" name=""/>
-        <p:cNvGrpSpPr/>
-        <p:nvPr/>
-      </p:nvGrpSpPr>
-      <p:grpSpPr>
-        <a:xfrm>
-          <a:off x="0" y="0"/>
-          <a:ext cx="0" cy="0"/>
-          <a:chOff x="0" y="0"/>
-          <a:chExt cx="0" cy="0"/>
-        </a:xfrm>
-      </p:grpSpPr>
       <p:sp>
         <p:nvSpPr>
           <p:cNvPr id="2" name="Title 1">
@@ -4255,7 +4227,7 @@
 </p:sld>
 </file>
 
-<file path=ppt/slides/slide5.xml><?xml version="1.0" encoding="utf-8"?>
+<file path=ppt/slides/slide4.xml><?xml version="1.0" encoding="utf-8"?>
 <p:sld xmlns:a="http://schemas.openxmlformats.org/drawingml/2006/main" xmlns:r="http://schemas.openxmlformats.org/officeDocument/2006/relationships" xmlns:p="http://schemas.openxmlformats.org/presentationml/2006/main">
   <p:cSld>
     <p:bg>

--- a/Presentation_NJ.pptx
+++ b/Presentation_NJ.pptx
@@ -3396,7 +3396,7 @@
       </p:grpSpPr>
       <p:sp useBgFill="1">
         <p:nvSpPr>
-          <p:cNvPr id="16" name="Rectangle 9">
+          <p:cNvPr id="10" name="Rectangle 9">
             <a:extLst>
               <a:ext uri="{FF2B5EF4-FFF2-40B4-BE49-F238E27FC236}">
                 <a16:creationId xmlns:a16="http://schemas.microsoft.com/office/drawing/2014/main" id="{19F9BF86-FE94-4517-B97D-026C7515E589}"/>
@@ -3470,12 +3470,89 @@
           </a:p>
         </p:txBody>
       </p:sp>
+      <p:sp>
+        <p:nvSpPr>
+          <p:cNvPr id="2" name="Title 1">
+            <a:extLst>
+              <a:ext uri="{FF2B5EF4-FFF2-40B4-BE49-F238E27FC236}">
+                <a16:creationId xmlns:a16="http://schemas.microsoft.com/office/drawing/2014/main" id="{B3D49B4E-2504-4272-9D22-E20BD6339535}"/>
+              </a:ext>
+            </a:extLst>
+          </p:cNvPr>
+          <p:cNvSpPr>
+            <a:spLocks noGrp="1"/>
+          </p:cNvSpPr>
+          <p:nvPr>
+            <p:ph type="ctrTitle"/>
+          </p:nvPr>
+        </p:nvSpPr>
+        <p:spPr>
+          <a:xfrm>
+            <a:off x="7237833" y="914400"/>
+            <a:ext cx="4029926" cy="3227293"/>
+          </a:xfrm>
+        </p:spPr>
+        <p:txBody>
+          <a:bodyPr anchor="t">
+            <a:normAutofit/>
+          </a:bodyPr>
+          <a:lstStyle/>
+          <a:p>
+            <a:r>
+              <a:rPr lang="en-US" dirty="0"/>
+              <a:t>Yellow Taxicab</a:t>
+            </a:r>
+            <a:br>
+              <a:rPr lang="en-US" dirty="0"/>
+            </a:br>
+            <a:r>
+              <a:rPr lang="en-US" dirty="0"/>
+              <a:t>Driver Stress</a:t>
+            </a:r>
+          </a:p>
+        </p:txBody>
+      </p:sp>
+      <p:sp>
+        <p:nvSpPr>
+          <p:cNvPr id="3" name="Subtitle 2">
+            <a:extLst>
+              <a:ext uri="{FF2B5EF4-FFF2-40B4-BE49-F238E27FC236}">
+                <a16:creationId xmlns:a16="http://schemas.microsoft.com/office/drawing/2014/main" id="{AB64FD8B-F74D-49F9-B653-F2B8B5E95733}"/>
+              </a:ext>
+            </a:extLst>
+          </p:cNvPr>
+          <p:cNvSpPr>
+            <a:spLocks noGrp="1"/>
+          </p:cNvSpPr>
+          <p:nvPr>
+            <p:ph type="subTitle" idx="1"/>
+          </p:nvPr>
+        </p:nvSpPr>
+        <p:spPr>
+          <a:xfrm>
+            <a:off x="7237829" y="2303844"/>
+            <a:ext cx="3972865" cy="1237336"/>
+          </a:xfrm>
+        </p:spPr>
+        <p:txBody>
+          <a:bodyPr anchor="b">
+            <a:normAutofit/>
+          </a:bodyPr>
+          <a:lstStyle/>
+          <a:p>
+            <a:r>
+              <a:rPr lang="en-US" dirty="0"/>
+              <a:t>Potential for Partial automation</a:t>
+            </a:r>
+          </a:p>
+        </p:txBody>
+      </p:sp>
       <p:pic>
         <p:nvPicPr>
           <p:cNvPr id="5" name="Picture 4" descr="A picture containing text, road, street, city&#10;&#10;Description automatically generated">
             <a:extLst>
               <a:ext uri="{FF2B5EF4-FFF2-40B4-BE49-F238E27FC236}">
-                <a16:creationId xmlns:a16="http://schemas.microsoft.com/office/drawing/2014/main" id="{836F539A-A33F-46E7-B4E4-B4262D168D84}"/>
+                <a16:creationId xmlns:a16="http://schemas.microsoft.com/office/drawing/2014/main" id="{8A284DBC-FAD8-4F06-BA0B-84622E5E28D1}"/>
               </a:ext>
             </a:extLst>
           </p:cNvPr>
@@ -3492,34 +3569,34 @@
               </a:ext>
             </a:extLst>
           </a:blip>
-          <a:srcRect b="15730"/>
+          <a:srcRect r="8000" b="2"/>
           <a:stretch/>
         </p:blipFill>
         <p:spPr>
           <a:xfrm>
-            <a:off x="1" y="10"/>
-            <a:ext cx="12192000" cy="6857990"/>
+            <a:off x="1" y="1064323"/>
+            <a:ext cx="6515096" cy="4726877"/>
           </a:xfrm>
           <a:prstGeom prst="rect">
             <a:avLst/>
           </a:prstGeom>
         </p:spPr>
       </p:pic>
-      <p:sp useBgFill="1">
-        <p:nvSpPr>
-          <p:cNvPr id="17" name="Rectangle 11">
-            <a:extLst>
-              <a:ext uri="{FF2B5EF4-FFF2-40B4-BE49-F238E27FC236}">
-                <a16:creationId xmlns:a16="http://schemas.microsoft.com/office/drawing/2014/main" id="{36136311-C81B-47C5-AE0A-5641A5A59520}"/>
+      <p:cxnSp>
+        <p:nvCxnSpPr>
+          <p:cNvPr id="12" name="Straight Connector 11">
+            <a:extLst>
+              <a:ext uri="{FF2B5EF4-FFF2-40B4-BE49-F238E27FC236}">
+                <a16:creationId xmlns:a16="http://schemas.microsoft.com/office/drawing/2014/main" id="{7CC73A33-65FF-41A9-A3B0-006753CD1028}"/>
               </a:ext>
               <a:ext uri="{C183D7F6-B498-43B3-948B-1728B52AA6E4}">
                 <adec:decorative xmlns:adec="http://schemas.microsoft.com/office/drawing/2017/decorative" val="1"/>
               </a:ext>
             </a:extLst>
           </p:cNvPr>
-          <p:cNvSpPr>
-            <a:spLocks noGrp="1" noRot="1" noChangeAspect="1" noMove="1" noResize="1" noEditPoints="1" noAdjustHandles="1" noChangeArrowheads="1" noChangeShapeType="1" noTextEdit="1"/>
-          </p:cNvSpPr>
+          <p:cNvCxnSpPr>
+            <a:cxnSpLocks noGrp="1" noRot="1" noChangeAspect="1" noMove="1" noResize="1" noEditPoints="1" noAdjustHandles="1" noChangeArrowheads="1" noChangeShapeType="1"/>
+          </p:cNvCxnSpPr>
           <p:nvPr>
             <p:extLst>
               <p:ext uri="{386F3935-93C4-4BCD-93E2-E3B085C9AB24}">
@@ -3527,163 +3604,10 @@
               </p:ext>
             </p:extLst>
           </p:nvPr>
-        </p:nvSpPr>
+        </p:nvCxnSpPr>
         <p:spPr>
           <a:xfrm>
-            <a:off x="6493225" y="1066800"/>
-            <a:ext cx="4708175" cy="4724400"/>
-          </a:xfrm>
-          <a:prstGeom prst="rect">
-            <a:avLst/>
-          </a:prstGeom>
-          <a:ln w="12700" cap="flat" cmpd="sng" algn="ctr">
-            <a:noFill/>
-            <a:prstDash val="solid"/>
-            <a:miter lim="800000"/>
-          </a:ln>
-          <a:effectLst/>
-          <a:extLst>
-            <a:ext uri="{91240B29-F687-4F45-9708-019B960494DF}">
-              <a14:hiddenLine xmlns:a14="http://schemas.microsoft.com/office/drawing/2010/main" w="12700" cap="flat" cmpd="sng" algn="ctr">
-                <a:solidFill>
-                  <a:schemeClr val="accent1">
-                    <a:shade val="50000"/>
-                  </a:schemeClr>
-                </a:solidFill>
-                <a:prstDash val="solid"/>
-                <a:miter lim="800000"/>
-              </a14:hiddenLine>
-            </a:ext>
-          </a:extLst>
-        </p:spPr>
-        <p:style>
-          <a:lnRef idx="2">
-            <a:schemeClr val="accent1">
-              <a:shade val="50000"/>
-            </a:schemeClr>
-          </a:lnRef>
-          <a:fillRef idx="1">
-            <a:schemeClr val="accent1"/>
-          </a:fillRef>
-          <a:effectRef idx="0">
-            <a:schemeClr val="accent1"/>
-          </a:effectRef>
-          <a:fontRef idx="minor">
-            <a:schemeClr val="lt1"/>
-          </a:fontRef>
-        </p:style>
-        <p:txBody>
-          <a:bodyPr rtlCol="0" anchor="ctr"/>
-          <a:lstStyle/>
-          <a:p>
-            <a:pPr algn="ctr"/>
-            <a:endParaRPr lang="en-US"/>
-          </a:p>
-        </p:txBody>
-      </p:sp>
-      <p:sp>
-        <p:nvSpPr>
-          <p:cNvPr id="2" name="Title 1">
-            <a:extLst>
-              <a:ext uri="{FF2B5EF4-FFF2-40B4-BE49-F238E27FC236}">
-                <a16:creationId xmlns:a16="http://schemas.microsoft.com/office/drawing/2014/main" id="{356DEE48-F19C-418C-886A-4C59DDD82638}"/>
-              </a:ext>
-            </a:extLst>
-          </p:cNvPr>
-          <p:cNvSpPr>
-            <a:spLocks noGrp="1"/>
-          </p:cNvSpPr>
-          <p:nvPr>
-            <p:ph type="ctrTitle"/>
-          </p:nvPr>
-        </p:nvSpPr>
-        <p:spPr>
-          <a:xfrm>
-            <a:off x="7046729" y="1562101"/>
-            <a:ext cx="3551402" cy="2738530"/>
-          </a:xfrm>
-        </p:spPr>
-        <p:txBody>
-          <a:bodyPr anchor="t">
-            <a:normAutofit/>
-          </a:bodyPr>
-          <a:lstStyle/>
-          <a:p>
-            <a:r>
-              <a:rPr lang="en-US" dirty="0"/>
-              <a:t>Yellow Taxicab</a:t>
-            </a:r>
-            <a:br>
-              <a:rPr lang="en-US" dirty="0"/>
-            </a:br>
-            <a:r>
-              <a:rPr lang="en-US" dirty="0"/>
-              <a:t>Driver Stress</a:t>
-            </a:r>
-          </a:p>
-        </p:txBody>
-      </p:sp>
-      <p:sp>
-        <p:nvSpPr>
-          <p:cNvPr id="3" name="Subtitle 2">
-            <a:extLst>
-              <a:ext uri="{FF2B5EF4-FFF2-40B4-BE49-F238E27FC236}">
-                <a16:creationId xmlns:a16="http://schemas.microsoft.com/office/drawing/2014/main" id="{ADC6C4BF-DD10-47BE-BDA9-3F5F1FF70D5F}"/>
-              </a:ext>
-            </a:extLst>
-          </p:cNvPr>
-          <p:cNvSpPr>
-            <a:spLocks noGrp="1"/>
-          </p:cNvSpPr>
-          <p:nvPr>
-            <p:ph type="subTitle" idx="1"/>
-          </p:nvPr>
-        </p:nvSpPr>
-        <p:spPr>
-          <a:xfrm>
-            <a:off x="7123950" y="3080273"/>
-            <a:ext cx="3579790" cy="875824"/>
-          </a:xfrm>
-        </p:spPr>
-        <p:txBody>
-          <a:bodyPr>
-            <a:normAutofit/>
-          </a:bodyPr>
-          <a:lstStyle/>
-          <a:p>
-            <a:r>
-              <a:rPr lang="en-US" dirty="0"/>
-              <a:t>Potential for partial automation</a:t>
-            </a:r>
-          </a:p>
-        </p:txBody>
-      </p:sp>
-      <p:cxnSp>
-        <p:nvCxnSpPr>
-          <p:cNvPr id="18" name="Straight Connector 13">
-            <a:extLst>
-              <a:ext uri="{FF2B5EF4-FFF2-40B4-BE49-F238E27FC236}">
-                <a16:creationId xmlns:a16="http://schemas.microsoft.com/office/drawing/2014/main" id="{7CC73A33-65FF-41A9-A3B0-006753CD1028}"/>
-              </a:ext>
-              <a:ext uri="{C183D7F6-B498-43B3-948B-1728B52AA6E4}">
-                <adec:decorative xmlns:adec="http://schemas.microsoft.com/office/drawing/2017/decorative" val="1"/>
-              </a:ext>
-            </a:extLst>
-          </p:cNvPr>
-          <p:cNvCxnSpPr>
-            <a:cxnSpLocks noGrp="1" noRot="1" noChangeAspect="1" noMove="1" noResize="1" noEditPoints="1" noAdjustHandles="1" noChangeArrowheads="1" noChangeShapeType="1"/>
-          </p:cNvCxnSpPr>
-          <p:nvPr>
-            <p:extLst>
-              <p:ext uri="{386F3935-93C4-4BCD-93E2-E3B085C9AB24}">
-                <p16:designElem xmlns:p16="http://schemas.microsoft.com/office/powerpoint/2015/main" val="1"/>
-              </p:ext>
-            </p:extLst>
-          </p:nvPr>
-        </p:nvCxnSpPr>
-        <p:spPr>
-          <a:xfrm rot="16200000">
-            <a:off x="8844675" y="3418676"/>
+            <a:off x="6515100" y="1064323"/>
             <a:ext cx="0" cy="4724400"/>
           </a:xfrm>
           <a:prstGeom prst="line">
@@ -3709,7 +3633,7 @@
     </p:spTree>
     <p:extLst>
       <p:ext uri="{BB962C8B-B14F-4D97-AF65-F5344CB8AC3E}">
-        <p14:creationId xmlns:p14="http://schemas.microsoft.com/office/powerpoint/2010/main" val="1640224766"/>
+        <p14:creationId xmlns:p14="http://schemas.microsoft.com/office/powerpoint/2010/main" val="629579155"/>
       </p:ext>
     </p:extLst>
   </p:cSld>
